--- a/review2/StudentOne - ProjectReview 2 - Gruppo 13.pptx
+++ b/review2/StudentOne - ProjectReview 2 - Gruppo 13.pptx
@@ -7,7 +7,7 @@
     <p:sldMasterId id="2147483666" r:id="rId3"/>
   </p:sldMasterIdLst>
   <p:notesMasterIdLst>
-    <p:notesMasterId r:id="rId19"/>
+    <p:notesMasterId r:id="rId20"/>
   </p:notesMasterIdLst>
   <p:sldIdLst>
     <p:sldId id="256" r:id="rId4"/>
@@ -21,20 +21,21 @@
     <p:sldId id="264" r:id="rId12"/>
     <p:sldId id="265" r:id="rId13"/>
     <p:sldId id="266" r:id="rId14"/>
-    <p:sldId id="267" r:id="rId15"/>
-    <p:sldId id="268" r:id="rId16"/>
-    <p:sldId id="269" r:id="rId17"/>
-    <p:sldId id="270" r:id="rId18"/>
+    <p:sldId id="271" r:id="rId15"/>
+    <p:sldId id="267" r:id="rId16"/>
+    <p:sldId id="268" r:id="rId17"/>
+    <p:sldId id="269" r:id="rId18"/>
+    <p:sldId id="270" r:id="rId19"/>
   </p:sldIdLst>
   <p:sldSz cx="10080625" cy="7559675"/>
   <p:notesSz cx="7559675" cy="10691813"/>
   <p:embeddedFontLst>
     <p:embeddedFont>
       <p:font typeface="Century Gothic" panose="020B0502020202020204" pitchFamily="34" charset="0"/>
-      <p:regular r:id="rId20"/>
-      <p:bold r:id="rId21"/>
-      <p:italic r:id="rId22"/>
-      <p:boldItalic r:id="rId23"/>
+      <p:regular r:id="rId21"/>
+      <p:bold r:id="rId22"/>
+      <p:italic r:id="rId23"/>
+      <p:boldItalic r:id="rId24"/>
     </p:embeddedFont>
   </p:embeddedFontLst>
   <p:defaultTextStyle>
@@ -267,6 +268,9 @@
     </a:lvl9pPr>
   </p:defaultTextStyle>
   <p:extLst>
+    <p:ext uri="{EFAFB233-063F-42B5-8137-9DF3F51BA10A}">
+      <p15:sldGuideLst xmlns:p15="http://schemas.microsoft.com/office/powerpoint/2012/main"/>
+    </p:ext>
     <p:ext uri="http://customooxmlschemas.google.com/">
       <go:slidesCustomData xmlns:go="http://customooxmlschemas.google.com/" xmlns:ahyp="http://schemas.microsoft.com/office/drawing/2018/hyperlinkcolor" xmlns:p15="http://schemas.microsoft.com/office/powerpoint/2012/main" xmlns:p14="http://schemas.microsoft.com/office/powerpoint/2010/main" xmlns:com="http://schemas.openxmlformats.org/drawingml/2006/compatibility" xmlns:pvml="urn:schemas-microsoft-com:office:powerpoint" xmlns:v="urn:schemas-microsoft-com:vml" xmlns:o="urn:schemas-microsoft-com:office:office" xmlns:dgm="http://schemas.openxmlformats.org/drawingml/2006/diagram" xmlns:c="http://schemas.openxmlformats.org/drawingml/2006/chart" xmlns:mv="urn:schemas-microsoft-com:mac:vml" xmlns:mc="http://schemas.openxmlformats.org/markup-compatibility/2006" xmlns="" r:id="rId26" roundtripDataSignature="AMtx7mj2VNdD8WNbtwjzpBlDmkKSLWUsyw=="/>
     </p:ext>
@@ -2382,6 +2386,187 @@
   <p:cSld>
     <p:spTree>
       <p:nvGrpSpPr>
+        <p:cNvPr id="1" name="Shape 237"/>
+        <p:cNvGrpSpPr/>
+        <p:nvPr/>
+      </p:nvGrpSpPr>
+      <p:grpSpPr>
+        <a:xfrm>
+          <a:off x="0" y="0"/>
+          <a:ext cx="0" cy="0"/>
+          <a:chOff x="0" y="0"/>
+          <a:chExt cx="0" cy="0"/>
+        </a:xfrm>
+      </p:grpSpPr>
+      <p:sp>
+        <p:nvSpPr>
+          <p:cNvPr id="238" name="Google Shape;238;p16:notes"/>
+          <p:cNvSpPr>
+            <a:spLocks noGrp="1" noRot="1" noChangeAspect="1"/>
+          </p:cNvSpPr>
+          <p:nvPr>
+            <p:ph type="sldImg" idx="2"/>
+          </p:nvPr>
+        </p:nvSpPr>
+        <p:spPr>
+          <a:xfrm>
+            <a:off x="1106488" y="812800"/>
+            <a:ext cx="5340350" cy="4003675"/>
+          </a:xfrm>
+          <a:custGeom>
+            <a:avLst/>
+            <a:gdLst/>
+            <a:ahLst/>
+            <a:cxnLst/>
+            <a:rect l="l" t="t" r="r" b="b"/>
+            <a:pathLst>
+              <a:path w="120000" h="120000" extrusionOk="0">
+                <a:moveTo>
+                  <a:pt x="0" y="0"/>
+                </a:moveTo>
+                <a:lnTo>
+                  <a:pt x="120000" y="0"/>
+                </a:lnTo>
+                <a:lnTo>
+                  <a:pt x="120000" y="120000"/>
+                </a:lnTo>
+                <a:lnTo>
+                  <a:pt x="0" y="120000"/>
+                </a:lnTo>
+                <a:close/>
+              </a:path>
+            </a:pathLst>
+          </a:custGeom>
+          <a:noFill/>
+          <a:ln w="9525" cap="flat" cmpd="sng">
+            <a:solidFill>
+              <a:srgbClr val="000000"/>
+            </a:solidFill>
+            <a:prstDash val="solid"/>
+            <a:miter lim="8000"/>
+            <a:headEnd type="none" w="sm" len="sm"/>
+            <a:tailEnd type="none" w="sm" len="sm"/>
+          </a:ln>
+        </p:spPr>
+      </p:sp>
+      <p:sp>
+        <p:nvSpPr>
+          <p:cNvPr id="239" name="Google Shape;239;p16:notes"/>
+          <p:cNvSpPr/>
+          <p:nvPr/>
+        </p:nvSpPr>
+        <p:spPr>
+          <a:xfrm>
+            <a:off x="755650" y="5078412"/>
+            <a:ext cx="6043500" cy="4806900"/>
+          </a:xfrm>
+          <a:prstGeom prst="rect">
+            <a:avLst/>
+          </a:prstGeom>
+          <a:noFill/>
+          <a:ln>
+            <a:noFill/>
+          </a:ln>
+        </p:spPr>
+        <p:txBody>
+          <a:bodyPr spcFirstLastPara="1" wrap="square" lIns="91425" tIns="45700" rIns="91425" bIns="45700" anchor="ctr" anchorCtr="0">
+            <a:noAutofit/>
+          </a:bodyPr>
+          <a:lstStyle/>
+          <a:p>
+            <a:pPr marL="0" marR="0" lvl="0" indent="0" algn="l" rtl="0">
+              <a:lnSpc>
+                <a:spcPct val="93000"/>
+              </a:lnSpc>
+              <a:spcBef>
+                <a:spcPts val="0"/>
+              </a:spcBef>
+              <a:spcAft>
+                <a:spcPts val="0"/>
+              </a:spcAft>
+              <a:buClr>
+                <a:schemeClr val="dk1"/>
+              </a:buClr>
+              <a:buSzPts val="1800"/>
+              <a:buFont typeface="Arial"/>
+              <a:buNone/>
+            </a:pPr>
+            <a:endParaRPr sz="1800" b="0" i="0" u="none" strike="noStrike" cap="none">
+              <a:solidFill>
+                <a:srgbClr val="000000"/>
+              </a:solidFill>
+              <a:latin typeface="Arial"/>
+              <a:ea typeface="Arial"/>
+              <a:cs typeface="Arial"/>
+              <a:sym typeface="Arial"/>
+            </a:endParaRPr>
+          </a:p>
+        </p:txBody>
+      </p:sp>
+      <p:sp>
+        <p:nvSpPr>
+          <p:cNvPr id="240" name="Google Shape;240;p16:notes"/>
+          <p:cNvSpPr txBox="1">
+            <a:spLocks noGrp="1"/>
+          </p:cNvSpPr>
+          <p:nvPr>
+            <p:ph type="body" idx="1"/>
+          </p:nvPr>
+        </p:nvSpPr>
+        <p:spPr>
+          <a:xfrm>
+            <a:off x="720725" y="4679950"/>
+            <a:ext cx="6116700" cy="5037000"/>
+          </a:xfrm>
+          <a:prstGeom prst="rect">
+            <a:avLst/>
+          </a:prstGeom>
+          <a:noFill/>
+          <a:ln>
+            <a:noFill/>
+          </a:ln>
+        </p:spPr>
+        <p:txBody>
+          <a:bodyPr spcFirstLastPara="1" wrap="square" lIns="91425" tIns="91425" rIns="91425" bIns="91425" anchor="ctr" anchorCtr="0">
+            <a:noAutofit/>
+          </a:bodyPr>
+          <a:lstStyle/>
+          <a:p>
+            <a:pPr marL="0" lvl="0" indent="0" algn="l" rtl="0">
+              <a:lnSpc>
+                <a:spcPct val="100000"/>
+              </a:lnSpc>
+              <a:spcBef>
+                <a:spcPts val="0"/>
+              </a:spcBef>
+              <a:spcAft>
+                <a:spcPts val="0"/>
+              </a:spcAft>
+              <a:buSzPts val="1400"/>
+              <a:buNone/>
+            </a:pPr>
+            <a:endParaRPr/>
+          </a:p>
+        </p:txBody>
+      </p:sp>
+    </p:spTree>
+    <p:extLst>
+      <p:ext uri="{BB962C8B-B14F-4D97-AF65-F5344CB8AC3E}">
+        <p14:creationId xmlns:p14="http://schemas.microsoft.com/office/powerpoint/2010/main" val="3410477836"/>
+      </p:ext>
+    </p:extLst>
+  </p:cSld>
+  <p:clrMapOvr>
+    <a:masterClrMapping/>
+  </p:clrMapOvr>
+</p:notes>
+</file>
+
+<file path=ppt/notesSlides/notesSlide13.xml><?xml version="1.0" encoding="utf-8"?>
+<p:notes xmlns:a="http://schemas.openxmlformats.org/drawingml/2006/main" xmlns:r="http://schemas.openxmlformats.org/officeDocument/2006/relationships" xmlns:p="http://schemas.openxmlformats.org/presentationml/2006/main" showMasterSp="0" showMasterPhAnim="0">
+  <p:cSld>
+    <p:spTree>
+      <p:nvGrpSpPr>
         <p:cNvPr id="1" name="Shape 244"/>
         <p:cNvGrpSpPr/>
         <p:nvPr/>
@@ -2553,7 +2738,7 @@
 </p:notes>
 </file>
 
-<file path=ppt/notesSlides/notesSlide13.xml><?xml version="1.0" encoding="utf-8"?>
+<file path=ppt/notesSlides/notesSlide14.xml><?xml version="1.0" encoding="utf-8"?>
 <p:notes xmlns:a="http://schemas.openxmlformats.org/drawingml/2006/main" xmlns:r="http://schemas.openxmlformats.org/officeDocument/2006/relationships" xmlns:p="http://schemas.openxmlformats.org/presentationml/2006/main" showMasterSp="0" showMasterPhAnim="0">
   <p:cSld>
     <p:spTree>
@@ -2729,7 +2914,7 @@
 </p:notes>
 </file>
 
-<file path=ppt/notesSlides/notesSlide14.xml><?xml version="1.0" encoding="utf-8"?>
+<file path=ppt/notesSlides/notesSlide15.xml><?xml version="1.0" encoding="utf-8"?>
 <p:notes xmlns:a="http://schemas.openxmlformats.org/drawingml/2006/main" xmlns:r="http://schemas.openxmlformats.org/officeDocument/2006/relationships" xmlns:p="http://schemas.openxmlformats.org/presentationml/2006/main" showMasterSp="0" showMasterPhAnim="0">
   <p:cSld>
     <p:spTree>
@@ -2905,7 +3090,7 @@
 </p:notes>
 </file>
 
-<file path=ppt/notesSlides/notesSlide15.xml><?xml version="1.0" encoding="utf-8"?>
+<file path=ppt/notesSlides/notesSlide16.xml><?xml version="1.0" encoding="utf-8"?>
 <p:notes xmlns:a="http://schemas.openxmlformats.org/drawingml/2006/main" xmlns:r="http://schemas.openxmlformats.org/officeDocument/2006/relationships" xmlns:p="http://schemas.openxmlformats.org/presentationml/2006/main" showMasterSp="0" showMasterPhAnim="0">
   <p:cSld>
     <p:spTree>
@@ -29392,6 +29577,2344 @@
     </p:bg>
     <p:spTree>
       <p:nvGrpSpPr>
+        <p:cNvPr id="1" name="Shape 241"/>
+        <p:cNvGrpSpPr/>
+        <p:nvPr/>
+      </p:nvGrpSpPr>
+      <p:grpSpPr>
+        <a:xfrm>
+          <a:off x="0" y="0"/>
+          <a:ext cx="0" cy="0"/>
+          <a:chOff x="0" y="0"/>
+          <a:chExt cx="0" cy="0"/>
+        </a:xfrm>
+      </p:grpSpPr>
+      <p:sp>
+        <p:nvSpPr>
+          <p:cNvPr id="242" name="Google Shape;242;p16"/>
+          <p:cNvSpPr txBox="1">
+            <a:spLocks noGrp="1"/>
+          </p:cNvSpPr>
+          <p:nvPr>
+            <p:ph type="title"/>
+          </p:nvPr>
+        </p:nvSpPr>
+        <p:spPr>
+          <a:xfrm>
+            <a:off x="1250699" y="-282732"/>
+            <a:ext cx="7998106" cy="1254000"/>
+          </a:xfrm>
+          <a:prstGeom prst="rect">
+            <a:avLst/>
+          </a:prstGeom>
+          <a:noFill/>
+          <a:ln>
+            <a:noFill/>
+          </a:ln>
+          <a:effectLst>
+            <a:outerShdw blurRad="50800">
+              <a:srgbClr val="000000">
+                <a:alpha val="60000"/>
+              </a:srgbClr>
+            </a:outerShdw>
+          </a:effectLst>
+        </p:spPr>
+        <p:txBody>
+          <a:bodyPr spcFirstLastPara="1" wrap="square" lIns="0" tIns="0" rIns="0" bIns="0" anchor="ctr" anchorCtr="0">
+            <a:noAutofit/>
+          </a:bodyPr>
+          <a:lstStyle/>
+          <a:p>
+            <a:pPr marL="0" marR="0" lvl="0" indent="0" algn="ctr" rtl="0">
+              <a:lnSpc>
+                <a:spcPct val="100000"/>
+              </a:lnSpc>
+              <a:spcBef>
+                <a:spcPts val="0"/>
+              </a:spcBef>
+              <a:spcAft>
+                <a:spcPts val="0"/>
+              </a:spcAft>
+              <a:buClr>
+                <a:srgbClr val="000000"/>
+              </a:buClr>
+              <a:buSzPts val="3700"/>
+              <a:buFont typeface="Arial"/>
+              <a:buNone/>
+            </a:pPr>
+            <a:r>
+              <a:rPr lang="en-US" dirty="0">
+                <a:solidFill>
+                  <a:schemeClr val="accent1"/>
+                </a:solidFill>
+              </a:rPr>
+              <a:t>Architettura</a:t>
+            </a:r>
+            <a:endParaRPr dirty="0">
+              <a:solidFill>
+                <a:schemeClr val="accent1"/>
+              </a:solidFill>
+            </a:endParaRPr>
+          </a:p>
+        </p:txBody>
+      </p:sp>
+      <p:pic>
+        <p:nvPicPr>
+          <p:cNvPr id="1053" name="Picture 29">
+            <a:extLst>
+              <a:ext uri="{FF2B5EF4-FFF2-40B4-BE49-F238E27FC236}">
+                <a16:creationId xmlns:a16="http://schemas.microsoft.com/office/drawing/2014/main" id="{BF12FD01-EC5C-E141-9CE8-505A83C26EE1}"/>
+              </a:ext>
+            </a:extLst>
+          </p:cNvPr>
+          <p:cNvPicPr>
+            <a:picLocks noChangeAspect="1" noChangeArrowheads="1"/>
+          </p:cNvPicPr>
+          <p:nvPr/>
+        </p:nvPicPr>
+        <p:blipFill>
+          <a:blip r:embed="rId3">
+            <a:extLst>
+              <a:ext uri="{28A0092B-C50C-407E-A947-70E740481C1C}">
+                <a14:useLocalDpi xmlns:a14="http://schemas.microsoft.com/office/drawing/2010/main" val="0"/>
+              </a:ext>
+            </a:extLst>
+          </a:blip>
+          <a:srcRect/>
+          <a:stretch>
+            <a:fillRect/>
+          </a:stretch>
+        </p:blipFill>
+        <p:spPr bwMode="auto">
+          <a:xfrm>
+            <a:off x="623700" y="2314957"/>
+            <a:ext cx="1254000" cy="1254000"/>
+          </a:xfrm>
+          <a:prstGeom prst="rect">
+            <a:avLst/>
+          </a:prstGeom>
+          <a:noFill/>
+          <a:extLst>
+            <a:ext uri="{909E8E84-426E-40DD-AFC4-6F175D3DCCD1}">
+              <a14:hiddenFill xmlns:a14="http://schemas.microsoft.com/office/drawing/2010/main">
+                <a:solidFill>
+                  <a:srgbClr val="FFFFFF"/>
+                </a:solidFill>
+              </a14:hiddenFill>
+            </a:ext>
+          </a:extLst>
+        </p:spPr>
+      </p:pic>
+      <p:pic>
+        <p:nvPicPr>
+          <p:cNvPr id="1054" name="Picture 30" descr="Immagine che contiene segnale, esterni, arresto, testo&#10;&#10;Descrizione generata automaticamente">
+            <a:extLst>
+              <a:ext uri="{FF2B5EF4-FFF2-40B4-BE49-F238E27FC236}">
+                <a16:creationId xmlns:a16="http://schemas.microsoft.com/office/drawing/2014/main" id="{195DF279-066F-B644-B7C3-FD31086A2D1A}"/>
+              </a:ext>
+            </a:extLst>
+          </p:cNvPr>
+          <p:cNvPicPr>
+            <a:picLocks noChangeAspect="1" noChangeArrowheads="1"/>
+          </p:cNvPicPr>
+          <p:nvPr/>
+        </p:nvPicPr>
+        <p:blipFill>
+          <a:blip r:embed="rId4">
+            <a:extLst>
+              <a:ext uri="{28A0092B-C50C-407E-A947-70E740481C1C}">
+                <a14:useLocalDpi xmlns:a14="http://schemas.microsoft.com/office/drawing/2010/main" val="0"/>
+              </a:ext>
+            </a:extLst>
+          </a:blip>
+          <a:srcRect/>
+          <a:stretch>
+            <a:fillRect/>
+          </a:stretch>
+        </p:blipFill>
+        <p:spPr bwMode="auto">
+          <a:xfrm>
+            <a:off x="956688" y="2440766"/>
+            <a:ext cx="629999" cy="629999"/>
+          </a:xfrm>
+          <a:prstGeom prst="rect">
+            <a:avLst/>
+          </a:prstGeom>
+          <a:noFill/>
+          <a:extLst>
+            <a:ext uri="{909E8E84-426E-40DD-AFC4-6F175D3DCCD1}">
+              <a14:hiddenFill xmlns:a14="http://schemas.microsoft.com/office/drawing/2010/main">
+                <a:solidFill>
+                  <a:srgbClr val="FFFFFF"/>
+                </a:solidFill>
+              </a14:hiddenFill>
+            </a:ext>
+          </a:extLst>
+        </p:spPr>
+      </p:pic>
+      <p:pic>
+        <p:nvPicPr>
+          <p:cNvPr id="1056" name="Picture 32">
+            <a:extLst>
+              <a:ext uri="{FF2B5EF4-FFF2-40B4-BE49-F238E27FC236}">
+                <a16:creationId xmlns:a16="http://schemas.microsoft.com/office/drawing/2014/main" id="{6CD55815-9C65-DB42-B564-59BDA8231A79}"/>
+              </a:ext>
+            </a:extLst>
+          </p:cNvPr>
+          <p:cNvPicPr>
+            <a:picLocks noChangeAspect="1" noChangeArrowheads="1"/>
+          </p:cNvPicPr>
+          <p:nvPr/>
+        </p:nvPicPr>
+        <p:blipFill>
+          <a:blip r:embed="rId5">
+            <a:extLst>
+              <a:ext uri="{28A0092B-C50C-407E-A947-70E740481C1C}">
+                <a14:useLocalDpi xmlns:a14="http://schemas.microsoft.com/office/drawing/2010/main" val="0"/>
+              </a:ext>
+            </a:extLst>
+          </a:blip>
+          <a:srcRect/>
+          <a:stretch>
+            <a:fillRect/>
+          </a:stretch>
+        </p:blipFill>
+        <p:spPr bwMode="auto">
+          <a:xfrm>
+            <a:off x="712936" y="5498513"/>
+            <a:ext cx="1164764" cy="1016234"/>
+          </a:xfrm>
+          <a:prstGeom prst="rect">
+            <a:avLst/>
+          </a:prstGeom>
+          <a:noFill/>
+          <a:extLst>
+            <a:ext uri="{909E8E84-426E-40DD-AFC4-6F175D3DCCD1}">
+              <a14:hiddenFill xmlns:a14="http://schemas.microsoft.com/office/drawing/2010/main">
+                <a:solidFill>
+                  <a:srgbClr val="FFFFFF"/>
+                </a:solidFill>
+              </a14:hiddenFill>
+            </a:ext>
+          </a:extLst>
+        </p:spPr>
+      </p:pic>
+      <p:pic>
+        <p:nvPicPr>
+          <p:cNvPr id="1058" name="Picture 34" descr="Immagine che contiene piatto, disegnando&#10;&#10;Descrizione generata automaticamente">
+            <a:extLst>
+              <a:ext uri="{FF2B5EF4-FFF2-40B4-BE49-F238E27FC236}">
+                <a16:creationId xmlns:a16="http://schemas.microsoft.com/office/drawing/2014/main" id="{22BF2640-D6A6-6B4C-830F-BBB3827BD9BC}"/>
+              </a:ext>
+            </a:extLst>
+          </p:cNvPr>
+          <p:cNvPicPr>
+            <a:picLocks noChangeAspect="1" noChangeArrowheads="1"/>
+          </p:cNvPicPr>
+          <p:nvPr/>
+        </p:nvPicPr>
+        <p:blipFill>
+          <a:blip r:embed="rId6">
+            <a:extLst>
+              <a:ext uri="{28A0092B-C50C-407E-A947-70E740481C1C}">
+                <a14:useLocalDpi xmlns:a14="http://schemas.microsoft.com/office/drawing/2010/main" val="0"/>
+              </a:ext>
+            </a:extLst>
+          </a:blip>
+          <a:srcRect/>
+          <a:stretch>
+            <a:fillRect/>
+          </a:stretch>
+        </p:blipFill>
+        <p:spPr bwMode="auto">
+          <a:xfrm>
+            <a:off x="2595981" y="3991797"/>
+            <a:ext cx="1371708" cy="1016235"/>
+          </a:xfrm>
+          <a:prstGeom prst="rect">
+            <a:avLst/>
+          </a:prstGeom>
+          <a:noFill/>
+          <a:extLst>
+            <a:ext uri="{909E8E84-426E-40DD-AFC4-6F175D3DCCD1}">
+              <a14:hiddenFill xmlns:a14="http://schemas.microsoft.com/office/drawing/2010/main">
+                <a:solidFill>
+                  <a:srgbClr val="FFFFFF"/>
+                </a:solidFill>
+              </a14:hiddenFill>
+            </a:ext>
+          </a:extLst>
+        </p:spPr>
+      </p:pic>
+      <p:pic>
+        <p:nvPicPr>
+          <p:cNvPr id="1060" name="Picture 36" descr="Immagine che contiene oggetto, orologio, segnale, disegnando&#10;&#10;Descrizione generata automaticamente">
+            <a:extLst>
+              <a:ext uri="{FF2B5EF4-FFF2-40B4-BE49-F238E27FC236}">
+                <a16:creationId xmlns:a16="http://schemas.microsoft.com/office/drawing/2014/main" id="{A27F79D0-FB1C-124C-BC1A-236B4E2A4799}"/>
+              </a:ext>
+            </a:extLst>
+          </p:cNvPr>
+          <p:cNvPicPr>
+            <a:picLocks noChangeAspect="1" noChangeArrowheads="1"/>
+          </p:cNvPicPr>
+          <p:nvPr/>
+        </p:nvPicPr>
+        <p:blipFill>
+          <a:blip r:embed="rId7">
+            <a:extLst>
+              <a:ext uri="{28A0092B-C50C-407E-A947-70E740481C1C}">
+                <a14:useLocalDpi xmlns:a14="http://schemas.microsoft.com/office/drawing/2010/main" val="0"/>
+              </a:ext>
+            </a:extLst>
+          </a:blip>
+          <a:srcRect/>
+          <a:stretch>
+            <a:fillRect/>
+          </a:stretch>
+        </p:blipFill>
+        <p:spPr bwMode="auto">
+          <a:xfrm>
+            <a:off x="5041948" y="4192090"/>
+            <a:ext cx="1280696" cy="531640"/>
+          </a:xfrm>
+          <a:prstGeom prst="rect">
+            <a:avLst/>
+          </a:prstGeom>
+          <a:noFill/>
+          <a:extLst>
+            <a:ext uri="{909E8E84-426E-40DD-AFC4-6F175D3DCCD1}">
+              <a14:hiddenFill xmlns:a14="http://schemas.microsoft.com/office/drawing/2010/main">
+                <a:solidFill>
+                  <a:srgbClr val="FFFFFF"/>
+                </a:solidFill>
+              </a14:hiddenFill>
+            </a:ext>
+          </a:extLst>
+        </p:spPr>
+      </p:pic>
+      <p:pic>
+        <p:nvPicPr>
+          <p:cNvPr id="1062" name="Picture 38" descr="Immagine che contiene disegnando&#10;&#10;Descrizione generata automaticamente">
+            <a:extLst>
+              <a:ext uri="{FF2B5EF4-FFF2-40B4-BE49-F238E27FC236}">
+                <a16:creationId xmlns:a16="http://schemas.microsoft.com/office/drawing/2014/main" id="{E8889B97-0B0B-634B-95CE-D81E2149E8CB}"/>
+              </a:ext>
+            </a:extLst>
+          </p:cNvPr>
+          <p:cNvPicPr>
+            <a:picLocks noChangeAspect="1" noChangeArrowheads="1"/>
+          </p:cNvPicPr>
+          <p:nvPr/>
+        </p:nvPicPr>
+        <p:blipFill>
+          <a:blip r:embed="rId8">
+            <a:extLst>
+              <a:ext uri="{28A0092B-C50C-407E-A947-70E740481C1C}">
+                <a14:useLocalDpi xmlns:a14="http://schemas.microsoft.com/office/drawing/2010/main" val="0"/>
+              </a:ext>
+            </a:extLst>
+          </a:blip>
+          <a:srcRect/>
+          <a:stretch>
+            <a:fillRect/>
+          </a:stretch>
+        </p:blipFill>
+        <p:spPr bwMode="auto">
+          <a:xfrm>
+            <a:off x="7231189" y="3042194"/>
+            <a:ext cx="583026" cy="523985"/>
+          </a:xfrm>
+          <a:prstGeom prst="rect">
+            <a:avLst/>
+          </a:prstGeom>
+          <a:noFill/>
+          <a:extLst>
+            <a:ext uri="{909E8E84-426E-40DD-AFC4-6F175D3DCCD1}">
+              <a14:hiddenFill xmlns:a14="http://schemas.microsoft.com/office/drawing/2010/main">
+                <a:solidFill>
+                  <a:srgbClr val="FFFFFF"/>
+                </a:solidFill>
+              </a14:hiddenFill>
+            </a:ext>
+          </a:extLst>
+        </p:spPr>
+      </p:pic>
+      <p:pic>
+        <p:nvPicPr>
+          <p:cNvPr id="37" name="Picture 38" descr="Immagine che contiene disegnando&#10;&#10;Descrizione generata automaticamente">
+            <a:extLst>
+              <a:ext uri="{FF2B5EF4-FFF2-40B4-BE49-F238E27FC236}">
+                <a16:creationId xmlns:a16="http://schemas.microsoft.com/office/drawing/2014/main" id="{E0349947-555B-CF41-A15B-254CE8D43D6B}"/>
+              </a:ext>
+            </a:extLst>
+          </p:cNvPr>
+          <p:cNvPicPr>
+            <a:picLocks noChangeAspect="1" noChangeArrowheads="1"/>
+          </p:cNvPicPr>
+          <p:nvPr/>
+        </p:nvPicPr>
+        <p:blipFill>
+          <a:blip r:embed="rId8">
+            <a:extLst>
+              <a:ext uri="{28A0092B-C50C-407E-A947-70E740481C1C}">
+                <a14:useLocalDpi xmlns:a14="http://schemas.microsoft.com/office/drawing/2010/main" val="0"/>
+              </a:ext>
+            </a:extLst>
+          </a:blip>
+          <a:srcRect/>
+          <a:stretch>
+            <a:fillRect/>
+          </a:stretch>
+        </p:blipFill>
+        <p:spPr bwMode="auto">
+          <a:xfrm>
+            <a:off x="7310101" y="4274935"/>
+            <a:ext cx="583026" cy="523985"/>
+          </a:xfrm>
+          <a:prstGeom prst="rect">
+            <a:avLst/>
+          </a:prstGeom>
+          <a:noFill/>
+          <a:extLst>
+            <a:ext uri="{909E8E84-426E-40DD-AFC4-6F175D3DCCD1}">
+              <a14:hiddenFill xmlns:a14="http://schemas.microsoft.com/office/drawing/2010/main">
+                <a:solidFill>
+                  <a:srgbClr val="FFFFFF"/>
+                </a:solidFill>
+              </a14:hiddenFill>
+            </a:ext>
+          </a:extLst>
+        </p:spPr>
+      </p:pic>
+      <p:pic>
+        <p:nvPicPr>
+          <p:cNvPr id="38" name="Picture 38" descr="Immagine che contiene disegnando&#10;&#10;Descrizione generata automaticamente">
+            <a:extLst>
+              <a:ext uri="{FF2B5EF4-FFF2-40B4-BE49-F238E27FC236}">
+                <a16:creationId xmlns:a16="http://schemas.microsoft.com/office/drawing/2014/main" id="{5F5DF39B-70FD-6A40-87F3-BF17F9CB9FEA}"/>
+              </a:ext>
+            </a:extLst>
+          </p:cNvPr>
+          <p:cNvPicPr>
+            <a:picLocks noChangeAspect="1" noChangeArrowheads="1"/>
+          </p:cNvPicPr>
+          <p:nvPr/>
+        </p:nvPicPr>
+        <p:blipFill>
+          <a:blip r:embed="rId8">
+            <a:extLst>
+              <a:ext uri="{28A0092B-C50C-407E-A947-70E740481C1C}">
+                <a14:useLocalDpi xmlns:a14="http://schemas.microsoft.com/office/drawing/2010/main" val="0"/>
+              </a:ext>
+            </a:extLst>
+          </a:blip>
+          <a:srcRect/>
+          <a:stretch>
+            <a:fillRect/>
+          </a:stretch>
+        </p:blipFill>
+        <p:spPr bwMode="auto">
+          <a:xfrm>
+            <a:off x="7310101" y="5338341"/>
+            <a:ext cx="583026" cy="523985"/>
+          </a:xfrm>
+          <a:prstGeom prst="rect">
+            <a:avLst/>
+          </a:prstGeom>
+          <a:noFill/>
+          <a:extLst>
+            <a:ext uri="{909E8E84-426E-40DD-AFC4-6F175D3DCCD1}">
+              <a14:hiddenFill xmlns:a14="http://schemas.microsoft.com/office/drawing/2010/main">
+                <a:solidFill>
+                  <a:srgbClr val="FFFFFF"/>
+                </a:solidFill>
+              </a14:hiddenFill>
+            </a:ext>
+          </a:extLst>
+        </p:spPr>
+      </p:pic>
+      <p:pic>
+        <p:nvPicPr>
+          <p:cNvPr id="39" name="Picture 38" descr="Immagine che contiene disegnando&#10;&#10;Descrizione generata automaticamente">
+            <a:extLst>
+              <a:ext uri="{FF2B5EF4-FFF2-40B4-BE49-F238E27FC236}">
+                <a16:creationId xmlns:a16="http://schemas.microsoft.com/office/drawing/2014/main" id="{42F585E4-272D-174B-8297-41DB926862D3}"/>
+              </a:ext>
+            </a:extLst>
+          </p:cNvPr>
+          <p:cNvPicPr>
+            <a:picLocks noChangeAspect="1" noChangeArrowheads="1"/>
+          </p:cNvPicPr>
+          <p:nvPr/>
+        </p:nvPicPr>
+        <p:blipFill>
+          <a:blip r:embed="rId8">
+            <a:extLst>
+              <a:ext uri="{28A0092B-C50C-407E-A947-70E740481C1C}">
+                <a14:useLocalDpi xmlns:a14="http://schemas.microsoft.com/office/drawing/2010/main" val="0"/>
+              </a:ext>
+            </a:extLst>
+          </a:blip>
+          <a:srcRect/>
+          <a:stretch>
+            <a:fillRect/>
+          </a:stretch>
+        </p:blipFill>
+        <p:spPr bwMode="auto">
+          <a:xfrm>
+            <a:off x="7290363" y="1000148"/>
+            <a:ext cx="583026" cy="523985"/>
+          </a:xfrm>
+          <a:prstGeom prst="rect">
+            <a:avLst/>
+          </a:prstGeom>
+          <a:noFill/>
+          <a:extLst>
+            <a:ext uri="{909E8E84-426E-40DD-AFC4-6F175D3DCCD1}">
+              <a14:hiddenFill xmlns:a14="http://schemas.microsoft.com/office/drawing/2010/main">
+                <a:solidFill>
+                  <a:srgbClr val="FFFFFF"/>
+                </a:solidFill>
+              </a14:hiddenFill>
+            </a:ext>
+          </a:extLst>
+        </p:spPr>
+      </p:pic>
+      <p:sp>
+        <p:nvSpPr>
+          <p:cNvPr id="5" name="CasellaDiTesto 4">
+            <a:extLst>
+              <a:ext uri="{FF2B5EF4-FFF2-40B4-BE49-F238E27FC236}">
+                <a16:creationId xmlns:a16="http://schemas.microsoft.com/office/drawing/2014/main" id="{23C88DBA-6036-3740-BB06-C8EEBB0BE06A}"/>
+              </a:ext>
+            </a:extLst>
+          </p:cNvPr>
+          <p:cNvSpPr txBox="1"/>
+          <p:nvPr/>
+        </p:nvSpPr>
+        <p:spPr>
+          <a:xfrm>
+            <a:off x="7086372" y="3508217"/>
+            <a:ext cx="916017" cy="307777"/>
+          </a:xfrm>
+          <a:prstGeom prst="rect">
+            <a:avLst/>
+          </a:prstGeom>
+          <a:noFill/>
+        </p:spPr>
+        <p:txBody>
+          <a:bodyPr wrap="square" rtlCol="0">
+            <a:spAutoFit/>
+          </a:bodyPr>
+          <a:lstStyle/>
+          <a:p>
+            <a:r>
+              <a:rPr lang="it-IT" dirty="0"/>
+              <a:t>Calendar</a:t>
+            </a:r>
+          </a:p>
+        </p:txBody>
+      </p:sp>
+      <p:sp>
+        <p:nvSpPr>
+          <p:cNvPr id="6" name="CasellaDiTesto 5">
+            <a:extLst>
+              <a:ext uri="{FF2B5EF4-FFF2-40B4-BE49-F238E27FC236}">
+                <a16:creationId xmlns:a16="http://schemas.microsoft.com/office/drawing/2014/main" id="{183485FC-A5FE-E74B-8235-9B8499A3D031}"/>
+              </a:ext>
+            </a:extLst>
+          </p:cNvPr>
+          <p:cNvSpPr txBox="1"/>
+          <p:nvPr/>
+        </p:nvSpPr>
+        <p:spPr>
+          <a:xfrm>
+            <a:off x="7344354" y="4737688"/>
+            <a:ext cx="750883" cy="307777"/>
+          </a:xfrm>
+          <a:prstGeom prst="rect">
+            <a:avLst/>
+          </a:prstGeom>
+          <a:noFill/>
+        </p:spPr>
+        <p:txBody>
+          <a:bodyPr wrap="square" rtlCol="0">
+            <a:spAutoFit/>
+          </a:bodyPr>
+          <a:lstStyle/>
+          <a:p>
+            <a:r>
+              <a:rPr lang="it-IT" dirty="0"/>
+              <a:t>Chat</a:t>
+            </a:r>
+          </a:p>
+        </p:txBody>
+      </p:sp>
+      <p:sp>
+        <p:nvSpPr>
+          <p:cNvPr id="7" name="CasellaDiTesto 6">
+            <a:extLst>
+              <a:ext uri="{FF2B5EF4-FFF2-40B4-BE49-F238E27FC236}">
+                <a16:creationId xmlns:a16="http://schemas.microsoft.com/office/drawing/2014/main" id="{A0F38454-D693-0141-A345-41C83112C82B}"/>
+              </a:ext>
+            </a:extLst>
+          </p:cNvPr>
+          <p:cNvSpPr txBox="1"/>
+          <p:nvPr/>
+        </p:nvSpPr>
+        <p:spPr>
+          <a:xfrm>
+            <a:off x="7313333" y="5847322"/>
+            <a:ext cx="841822" cy="307777"/>
+          </a:xfrm>
+          <a:prstGeom prst="rect">
+            <a:avLst/>
+          </a:prstGeom>
+          <a:noFill/>
+        </p:spPr>
+        <p:txBody>
+          <a:bodyPr wrap="square" rtlCol="0">
+            <a:spAutoFit/>
+          </a:bodyPr>
+          <a:lstStyle/>
+          <a:p>
+            <a:r>
+              <a:rPr lang="it-IT" dirty="0"/>
+              <a:t>News</a:t>
+            </a:r>
+          </a:p>
+        </p:txBody>
+      </p:sp>
+      <p:sp>
+        <p:nvSpPr>
+          <p:cNvPr id="8" name="CasellaDiTesto 7">
+            <a:extLst>
+              <a:ext uri="{FF2B5EF4-FFF2-40B4-BE49-F238E27FC236}">
+                <a16:creationId xmlns:a16="http://schemas.microsoft.com/office/drawing/2014/main" id="{14A76C21-ABE4-F747-9185-F15BC1824007}"/>
+              </a:ext>
+            </a:extLst>
+          </p:cNvPr>
+          <p:cNvSpPr txBox="1"/>
+          <p:nvPr/>
+        </p:nvSpPr>
+        <p:spPr>
+          <a:xfrm>
+            <a:off x="6931386" y="1449319"/>
+            <a:ext cx="1468835" cy="307777"/>
+          </a:xfrm>
+          <a:prstGeom prst="rect">
+            <a:avLst/>
+          </a:prstGeom>
+          <a:noFill/>
+        </p:spPr>
+        <p:txBody>
+          <a:bodyPr wrap="square" rtlCol="0">
+            <a:spAutoFit/>
+          </a:bodyPr>
+          <a:lstStyle/>
+          <a:p>
+            <a:pPr algn="ctr"/>
+            <a:r>
+              <a:rPr lang="it-IT" dirty="0"/>
+              <a:t>Authentication</a:t>
+            </a:r>
+          </a:p>
+        </p:txBody>
+      </p:sp>
+      <p:pic>
+        <p:nvPicPr>
+          <p:cNvPr id="44" name="Picture 38" descr="Immagine che contiene disegnando&#10;&#10;Descrizione generata automaticamente">
+            <a:extLst>
+              <a:ext uri="{FF2B5EF4-FFF2-40B4-BE49-F238E27FC236}">
+                <a16:creationId xmlns:a16="http://schemas.microsoft.com/office/drawing/2014/main" id="{A41D18A6-6056-A145-B14D-011834F4F9C6}"/>
+              </a:ext>
+            </a:extLst>
+          </p:cNvPr>
+          <p:cNvPicPr>
+            <a:picLocks noChangeAspect="1" noChangeArrowheads="1"/>
+          </p:cNvPicPr>
+          <p:nvPr/>
+        </p:nvPicPr>
+        <p:blipFill>
+          <a:blip r:embed="rId8">
+            <a:extLst>
+              <a:ext uri="{28A0092B-C50C-407E-A947-70E740481C1C}">
+                <a14:useLocalDpi xmlns:a14="http://schemas.microsoft.com/office/drawing/2010/main" val="0"/>
+              </a:ext>
+            </a:extLst>
+          </a:blip>
+          <a:srcRect/>
+          <a:stretch>
+            <a:fillRect/>
+          </a:stretch>
+        </p:blipFill>
+        <p:spPr bwMode="auto">
+          <a:xfrm>
+            <a:off x="7290363" y="1839763"/>
+            <a:ext cx="583026" cy="523985"/>
+          </a:xfrm>
+          <a:prstGeom prst="rect">
+            <a:avLst/>
+          </a:prstGeom>
+          <a:noFill/>
+          <a:extLst>
+            <a:ext uri="{909E8E84-426E-40DD-AFC4-6F175D3DCCD1}">
+              <a14:hiddenFill xmlns:a14="http://schemas.microsoft.com/office/drawing/2010/main">
+                <a:solidFill>
+                  <a:srgbClr val="FFFFFF"/>
+                </a:solidFill>
+              </a14:hiddenFill>
+            </a:ext>
+          </a:extLst>
+        </p:spPr>
+      </p:pic>
+      <p:sp>
+        <p:nvSpPr>
+          <p:cNvPr id="9" name="CasellaDiTesto 8">
+            <a:extLst>
+              <a:ext uri="{FF2B5EF4-FFF2-40B4-BE49-F238E27FC236}">
+                <a16:creationId xmlns:a16="http://schemas.microsoft.com/office/drawing/2014/main" id="{C2739517-5F50-964B-AA7A-B2AE3E5ECECF}"/>
+              </a:ext>
+            </a:extLst>
+          </p:cNvPr>
+          <p:cNvSpPr txBox="1"/>
+          <p:nvPr/>
+        </p:nvSpPr>
+        <p:spPr>
+          <a:xfrm>
+            <a:off x="7168891" y="2305800"/>
+            <a:ext cx="872355" cy="307777"/>
+          </a:xfrm>
+          <a:prstGeom prst="rect">
+            <a:avLst/>
+          </a:prstGeom>
+          <a:noFill/>
+        </p:spPr>
+        <p:txBody>
+          <a:bodyPr wrap="none" rtlCol="0">
+            <a:spAutoFit/>
+          </a:bodyPr>
+          <a:lstStyle/>
+          <a:p>
+            <a:r>
+              <a:rPr lang="it-IT" dirty="0"/>
+              <a:t>Services</a:t>
+            </a:r>
+          </a:p>
+        </p:txBody>
+      </p:sp>
+      <p:pic>
+        <p:nvPicPr>
+          <p:cNvPr id="1064" name="Picture 40" descr="Immagine che contiene disegnando&#10;&#10;Descrizione generata automaticamente">
+            <a:extLst>
+              <a:ext uri="{FF2B5EF4-FFF2-40B4-BE49-F238E27FC236}">
+                <a16:creationId xmlns:a16="http://schemas.microsoft.com/office/drawing/2014/main" id="{7CEF6F84-1DCD-0542-84D8-5E458978C65E}"/>
+              </a:ext>
+            </a:extLst>
+          </p:cNvPr>
+          <p:cNvPicPr>
+            <a:picLocks noChangeAspect="1" noChangeArrowheads="1"/>
+          </p:cNvPicPr>
+          <p:nvPr/>
+        </p:nvPicPr>
+        <p:blipFill>
+          <a:blip r:embed="rId9">
+            <a:extLst>
+              <a:ext uri="{28A0092B-C50C-407E-A947-70E740481C1C}">
+                <a14:useLocalDpi xmlns:a14="http://schemas.microsoft.com/office/drawing/2010/main" val="0"/>
+              </a:ext>
+            </a:extLst>
+          </a:blip>
+          <a:srcRect/>
+          <a:stretch>
+            <a:fillRect/>
+          </a:stretch>
+        </p:blipFill>
+        <p:spPr bwMode="auto">
+          <a:xfrm>
+            <a:off x="8143066" y="1913027"/>
+            <a:ext cx="1106774" cy="579072"/>
+          </a:xfrm>
+          <a:prstGeom prst="rect">
+            <a:avLst/>
+          </a:prstGeom>
+          <a:noFill/>
+          <a:extLst>
+            <a:ext uri="{909E8E84-426E-40DD-AFC4-6F175D3DCCD1}">
+              <a14:hiddenFill xmlns:a14="http://schemas.microsoft.com/office/drawing/2010/main">
+                <a:solidFill>
+                  <a:srgbClr val="FFFFFF"/>
+                </a:solidFill>
+              </a14:hiddenFill>
+            </a:ext>
+          </a:extLst>
+        </p:spPr>
+      </p:pic>
+      <p:pic>
+        <p:nvPicPr>
+          <p:cNvPr id="47" name="Picture 40" descr="Immagine che contiene disegnando&#10;&#10;Descrizione generata automaticamente">
+            <a:extLst>
+              <a:ext uri="{FF2B5EF4-FFF2-40B4-BE49-F238E27FC236}">
+                <a16:creationId xmlns:a16="http://schemas.microsoft.com/office/drawing/2014/main" id="{B4AC2323-EA42-C644-9608-CC9D3D2314D5}"/>
+              </a:ext>
+            </a:extLst>
+          </p:cNvPr>
+          <p:cNvPicPr>
+            <a:picLocks noChangeAspect="1" noChangeArrowheads="1"/>
+          </p:cNvPicPr>
+          <p:nvPr/>
+        </p:nvPicPr>
+        <p:blipFill>
+          <a:blip r:embed="rId9">
+            <a:extLst>
+              <a:ext uri="{28A0092B-C50C-407E-A947-70E740481C1C}">
+                <a14:useLocalDpi xmlns:a14="http://schemas.microsoft.com/office/drawing/2010/main" val="0"/>
+              </a:ext>
+            </a:extLst>
+          </a:blip>
+          <a:srcRect/>
+          <a:stretch>
+            <a:fillRect/>
+          </a:stretch>
+        </p:blipFill>
+        <p:spPr bwMode="auto">
+          <a:xfrm>
+            <a:off x="8143066" y="3070765"/>
+            <a:ext cx="1106774" cy="579072"/>
+          </a:xfrm>
+          <a:prstGeom prst="rect">
+            <a:avLst/>
+          </a:prstGeom>
+          <a:noFill/>
+          <a:extLst>
+            <a:ext uri="{909E8E84-426E-40DD-AFC4-6F175D3DCCD1}">
+              <a14:hiddenFill xmlns:a14="http://schemas.microsoft.com/office/drawing/2010/main">
+                <a:solidFill>
+                  <a:srgbClr val="FFFFFF"/>
+                </a:solidFill>
+              </a14:hiddenFill>
+            </a:ext>
+          </a:extLst>
+        </p:spPr>
+      </p:pic>
+      <p:pic>
+        <p:nvPicPr>
+          <p:cNvPr id="48" name="Picture 40" descr="Immagine che contiene disegnando&#10;&#10;Descrizione generata automaticamente">
+            <a:extLst>
+              <a:ext uri="{FF2B5EF4-FFF2-40B4-BE49-F238E27FC236}">
+                <a16:creationId xmlns:a16="http://schemas.microsoft.com/office/drawing/2014/main" id="{0BF379BF-33EE-4148-B2BD-8EE58B061DB1}"/>
+              </a:ext>
+            </a:extLst>
+          </p:cNvPr>
+          <p:cNvPicPr>
+            <a:picLocks noChangeAspect="1" noChangeArrowheads="1"/>
+          </p:cNvPicPr>
+          <p:nvPr/>
+        </p:nvPicPr>
+        <p:blipFill>
+          <a:blip r:embed="rId9">
+            <a:extLst>
+              <a:ext uri="{28A0092B-C50C-407E-A947-70E740481C1C}">
+                <a14:useLocalDpi xmlns:a14="http://schemas.microsoft.com/office/drawing/2010/main" val="0"/>
+              </a:ext>
+            </a:extLst>
+          </a:blip>
+          <a:srcRect/>
+          <a:stretch>
+            <a:fillRect/>
+          </a:stretch>
+        </p:blipFill>
+        <p:spPr bwMode="auto">
+          <a:xfrm>
+            <a:off x="8143066" y="4247391"/>
+            <a:ext cx="1106774" cy="579072"/>
+          </a:xfrm>
+          <a:prstGeom prst="rect">
+            <a:avLst/>
+          </a:prstGeom>
+          <a:noFill/>
+          <a:extLst>
+            <a:ext uri="{909E8E84-426E-40DD-AFC4-6F175D3DCCD1}">
+              <a14:hiddenFill xmlns:a14="http://schemas.microsoft.com/office/drawing/2010/main">
+                <a:solidFill>
+                  <a:srgbClr val="FFFFFF"/>
+                </a:solidFill>
+              </a14:hiddenFill>
+            </a:ext>
+          </a:extLst>
+        </p:spPr>
+      </p:pic>
+      <p:pic>
+        <p:nvPicPr>
+          <p:cNvPr id="49" name="Picture 40" descr="Immagine che contiene disegnando&#10;&#10;Descrizione generata automaticamente">
+            <a:extLst>
+              <a:ext uri="{FF2B5EF4-FFF2-40B4-BE49-F238E27FC236}">
+                <a16:creationId xmlns:a16="http://schemas.microsoft.com/office/drawing/2014/main" id="{8566B453-E9D2-FF4F-9B86-586488EE4AE8}"/>
+              </a:ext>
+            </a:extLst>
+          </p:cNvPr>
+          <p:cNvPicPr>
+            <a:picLocks noChangeAspect="1" noChangeArrowheads="1"/>
+          </p:cNvPicPr>
+          <p:nvPr/>
+        </p:nvPicPr>
+        <p:blipFill>
+          <a:blip r:embed="rId9">
+            <a:extLst>
+              <a:ext uri="{28A0092B-C50C-407E-A947-70E740481C1C}">
+                <a14:useLocalDpi xmlns:a14="http://schemas.microsoft.com/office/drawing/2010/main" val="0"/>
+              </a:ext>
+            </a:extLst>
+          </a:blip>
+          <a:srcRect/>
+          <a:stretch>
+            <a:fillRect/>
+          </a:stretch>
+        </p:blipFill>
+        <p:spPr bwMode="auto">
+          <a:xfrm>
+            <a:off x="8143066" y="5275286"/>
+            <a:ext cx="1106774" cy="579072"/>
+          </a:xfrm>
+          <a:prstGeom prst="rect">
+            <a:avLst/>
+          </a:prstGeom>
+          <a:noFill/>
+          <a:extLst>
+            <a:ext uri="{909E8E84-426E-40DD-AFC4-6F175D3DCCD1}">
+              <a14:hiddenFill xmlns:a14="http://schemas.microsoft.com/office/drawing/2010/main">
+                <a:solidFill>
+                  <a:srgbClr val="FFFFFF"/>
+                </a:solidFill>
+              </a14:hiddenFill>
+            </a:ext>
+          </a:extLst>
+        </p:spPr>
+      </p:pic>
+      <p:pic>
+        <p:nvPicPr>
+          <p:cNvPr id="50" name="Picture 40" descr="Immagine che contiene disegnando&#10;&#10;Descrizione generata automaticamente">
+            <a:extLst>
+              <a:ext uri="{FF2B5EF4-FFF2-40B4-BE49-F238E27FC236}">
+                <a16:creationId xmlns:a16="http://schemas.microsoft.com/office/drawing/2014/main" id="{6946AFDF-B394-BE43-8A76-995E91C948EB}"/>
+              </a:ext>
+            </a:extLst>
+          </p:cNvPr>
+          <p:cNvPicPr>
+            <a:picLocks noChangeAspect="1" noChangeArrowheads="1"/>
+          </p:cNvPicPr>
+          <p:nvPr/>
+        </p:nvPicPr>
+        <p:blipFill>
+          <a:blip r:embed="rId9">
+            <a:extLst>
+              <a:ext uri="{28A0092B-C50C-407E-A947-70E740481C1C}">
+                <a14:useLocalDpi xmlns:a14="http://schemas.microsoft.com/office/drawing/2010/main" val="0"/>
+              </a:ext>
+            </a:extLst>
+          </a:blip>
+          <a:srcRect/>
+          <a:stretch>
+            <a:fillRect/>
+          </a:stretch>
+        </p:blipFill>
+        <p:spPr bwMode="auto">
+          <a:xfrm>
+            <a:off x="8143066" y="948490"/>
+            <a:ext cx="1106774" cy="579072"/>
+          </a:xfrm>
+          <a:prstGeom prst="rect">
+            <a:avLst/>
+          </a:prstGeom>
+          <a:noFill/>
+          <a:extLst>
+            <a:ext uri="{909E8E84-426E-40DD-AFC4-6F175D3DCCD1}">
+              <a14:hiddenFill xmlns:a14="http://schemas.microsoft.com/office/drawing/2010/main">
+                <a:solidFill>
+                  <a:srgbClr val="FFFFFF"/>
+                </a:solidFill>
+              </a14:hiddenFill>
+            </a:ext>
+          </a:extLst>
+        </p:spPr>
+      </p:pic>
+      <p:cxnSp>
+        <p:nvCxnSpPr>
+          <p:cNvPr id="14" name="Connettore 2 13">
+            <a:extLst>
+              <a:ext uri="{FF2B5EF4-FFF2-40B4-BE49-F238E27FC236}">
+                <a16:creationId xmlns:a16="http://schemas.microsoft.com/office/drawing/2014/main" id="{4160E1DB-9BFA-0743-8E10-7F36A1BDA5A8}"/>
+              </a:ext>
+            </a:extLst>
+          </p:cNvPr>
+          <p:cNvCxnSpPr>
+            <a:cxnSpLocks/>
+          </p:cNvCxnSpPr>
+          <p:nvPr/>
+        </p:nvCxnSpPr>
+        <p:spPr>
+          <a:xfrm>
+            <a:off x="1805980" y="3346898"/>
+            <a:ext cx="718281" cy="630417"/>
+          </a:xfrm>
+          <a:prstGeom prst="straightConnector1">
+            <a:avLst/>
+          </a:prstGeom>
+          <a:ln w="19050">
+            <a:solidFill>
+              <a:srgbClr val="FFC000"/>
+            </a:solidFill>
+            <a:headEnd type="triangle"/>
+            <a:tailEnd type="triangle"/>
+          </a:ln>
+        </p:spPr>
+        <p:style>
+          <a:lnRef idx="1">
+            <a:schemeClr val="accent1"/>
+          </a:lnRef>
+          <a:fillRef idx="0">
+            <a:schemeClr val="accent1"/>
+          </a:fillRef>
+          <a:effectRef idx="0">
+            <a:schemeClr val="accent1"/>
+          </a:effectRef>
+          <a:fontRef idx="minor">
+            <a:schemeClr val="tx1"/>
+          </a:fontRef>
+        </p:style>
+      </p:cxnSp>
+      <p:cxnSp>
+        <p:nvCxnSpPr>
+          <p:cNvPr id="61" name="Connettore 2 60">
+            <a:extLst>
+              <a:ext uri="{FF2B5EF4-FFF2-40B4-BE49-F238E27FC236}">
+                <a16:creationId xmlns:a16="http://schemas.microsoft.com/office/drawing/2014/main" id="{B6450E21-EDA2-CE47-A238-831DF7DD42C7}"/>
+              </a:ext>
+            </a:extLst>
+          </p:cNvPr>
+          <p:cNvCxnSpPr>
+            <a:cxnSpLocks/>
+          </p:cNvCxnSpPr>
+          <p:nvPr/>
+        </p:nvCxnSpPr>
+        <p:spPr>
+          <a:xfrm flipV="1">
+            <a:off x="1805980" y="5008032"/>
+            <a:ext cx="658202" cy="660618"/>
+          </a:xfrm>
+          <a:prstGeom prst="straightConnector1">
+            <a:avLst/>
+          </a:prstGeom>
+          <a:ln w="19050">
+            <a:solidFill>
+              <a:srgbClr val="FFC000"/>
+            </a:solidFill>
+            <a:headEnd type="triangle"/>
+            <a:tailEnd type="triangle"/>
+          </a:ln>
+        </p:spPr>
+        <p:style>
+          <a:lnRef idx="1">
+            <a:schemeClr val="accent1"/>
+          </a:lnRef>
+          <a:fillRef idx="0">
+            <a:schemeClr val="accent1"/>
+          </a:fillRef>
+          <a:effectRef idx="0">
+            <a:schemeClr val="accent1"/>
+          </a:effectRef>
+          <a:fontRef idx="minor">
+            <a:schemeClr val="tx1"/>
+          </a:fontRef>
+        </p:style>
+      </p:cxnSp>
+      <p:cxnSp>
+        <p:nvCxnSpPr>
+          <p:cNvPr id="25" name="Connettore 2 24">
+            <a:extLst>
+              <a:ext uri="{FF2B5EF4-FFF2-40B4-BE49-F238E27FC236}">
+                <a16:creationId xmlns:a16="http://schemas.microsoft.com/office/drawing/2014/main" id="{F0A1A475-5FF2-F249-8145-06F0B65D85AB}"/>
+              </a:ext>
+            </a:extLst>
+          </p:cNvPr>
+          <p:cNvCxnSpPr>
+            <a:cxnSpLocks/>
+          </p:cNvCxnSpPr>
+          <p:nvPr/>
+        </p:nvCxnSpPr>
+        <p:spPr>
+          <a:xfrm>
+            <a:off x="4114570" y="4457423"/>
+            <a:ext cx="773075" cy="0"/>
+          </a:xfrm>
+          <a:prstGeom prst="straightConnector1">
+            <a:avLst/>
+          </a:prstGeom>
+          <a:ln w="19050">
+            <a:solidFill>
+              <a:srgbClr val="FFC000"/>
+            </a:solidFill>
+            <a:headEnd type="triangle"/>
+            <a:tailEnd type="triangle"/>
+          </a:ln>
+        </p:spPr>
+        <p:style>
+          <a:lnRef idx="1">
+            <a:schemeClr val="accent1"/>
+          </a:lnRef>
+          <a:fillRef idx="0">
+            <a:schemeClr val="accent1"/>
+          </a:fillRef>
+          <a:effectRef idx="0">
+            <a:schemeClr val="accent1"/>
+          </a:effectRef>
+          <a:fontRef idx="minor">
+            <a:schemeClr val="tx1"/>
+          </a:fontRef>
+        </p:style>
+      </p:cxnSp>
+      <p:cxnSp>
+        <p:nvCxnSpPr>
+          <p:cNvPr id="70" name="Connettore 2 69">
+            <a:extLst>
+              <a:ext uri="{FF2B5EF4-FFF2-40B4-BE49-F238E27FC236}">
+                <a16:creationId xmlns:a16="http://schemas.microsoft.com/office/drawing/2014/main" id="{B17D74F3-75E1-474C-A497-E160493A2064}"/>
+              </a:ext>
+            </a:extLst>
+          </p:cNvPr>
+          <p:cNvCxnSpPr>
+            <a:cxnSpLocks/>
+          </p:cNvCxnSpPr>
+          <p:nvPr/>
+        </p:nvCxnSpPr>
+        <p:spPr>
+          <a:xfrm>
+            <a:off x="7894800" y="2200317"/>
+            <a:ext cx="508000" cy="0"/>
+          </a:xfrm>
+          <a:prstGeom prst="straightConnector1">
+            <a:avLst/>
+          </a:prstGeom>
+          <a:ln>
+            <a:headEnd type="triangle"/>
+            <a:tailEnd type="triangle"/>
+          </a:ln>
+        </p:spPr>
+        <p:style>
+          <a:lnRef idx="1">
+            <a:schemeClr val="accent1"/>
+          </a:lnRef>
+          <a:fillRef idx="0">
+            <a:schemeClr val="accent1"/>
+          </a:fillRef>
+          <a:effectRef idx="0">
+            <a:schemeClr val="accent1"/>
+          </a:effectRef>
+          <a:fontRef idx="minor">
+            <a:schemeClr val="tx1"/>
+          </a:fontRef>
+        </p:style>
+      </p:cxnSp>
+      <p:cxnSp>
+        <p:nvCxnSpPr>
+          <p:cNvPr id="71" name="Connettore 2 70">
+            <a:extLst>
+              <a:ext uri="{FF2B5EF4-FFF2-40B4-BE49-F238E27FC236}">
+                <a16:creationId xmlns:a16="http://schemas.microsoft.com/office/drawing/2014/main" id="{8F581169-BB47-A347-8458-4032A8BC4069}"/>
+              </a:ext>
+            </a:extLst>
+          </p:cNvPr>
+          <p:cNvCxnSpPr>
+            <a:cxnSpLocks/>
+          </p:cNvCxnSpPr>
+          <p:nvPr/>
+        </p:nvCxnSpPr>
+        <p:spPr>
+          <a:xfrm>
+            <a:off x="7910512" y="3322737"/>
+            <a:ext cx="508000" cy="0"/>
+          </a:xfrm>
+          <a:prstGeom prst="straightConnector1">
+            <a:avLst/>
+          </a:prstGeom>
+          <a:ln>
+            <a:headEnd type="triangle"/>
+            <a:tailEnd type="triangle"/>
+          </a:ln>
+        </p:spPr>
+        <p:style>
+          <a:lnRef idx="1">
+            <a:schemeClr val="accent1"/>
+          </a:lnRef>
+          <a:fillRef idx="0">
+            <a:schemeClr val="accent1"/>
+          </a:fillRef>
+          <a:effectRef idx="0">
+            <a:schemeClr val="accent1"/>
+          </a:effectRef>
+          <a:fontRef idx="minor">
+            <a:schemeClr val="tx1"/>
+          </a:fontRef>
+        </p:style>
+      </p:cxnSp>
+      <p:cxnSp>
+        <p:nvCxnSpPr>
+          <p:cNvPr id="72" name="Connettore 2 71">
+            <a:extLst>
+              <a:ext uri="{FF2B5EF4-FFF2-40B4-BE49-F238E27FC236}">
+                <a16:creationId xmlns:a16="http://schemas.microsoft.com/office/drawing/2014/main" id="{BE8A1D66-3FBB-5044-89FF-03D13AFF76DE}"/>
+              </a:ext>
+            </a:extLst>
+          </p:cNvPr>
+          <p:cNvCxnSpPr>
+            <a:cxnSpLocks/>
+          </p:cNvCxnSpPr>
+          <p:nvPr/>
+        </p:nvCxnSpPr>
+        <p:spPr>
+          <a:xfrm>
+            <a:off x="7920000" y="4536927"/>
+            <a:ext cx="508000" cy="0"/>
+          </a:xfrm>
+          <a:prstGeom prst="straightConnector1">
+            <a:avLst/>
+          </a:prstGeom>
+          <a:ln>
+            <a:headEnd type="triangle"/>
+            <a:tailEnd type="triangle"/>
+          </a:ln>
+        </p:spPr>
+        <p:style>
+          <a:lnRef idx="1">
+            <a:schemeClr val="accent1"/>
+          </a:lnRef>
+          <a:fillRef idx="0">
+            <a:schemeClr val="accent1"/>
+          </a:fillRef>
+          <a:effectRef idx="0">
+            <a:schemeClr val="accent1"/>
+          </a:effectRef>
+          <a:fontRef idx="minor">
+            <a:schemeClr val="tx1"/>
+          </a:fontRef>
+        </p:style>
+      </p:cxnSp>
+      <p:cxnSp>
+        <p:nvCxnSpPr>
+          <p:cNvPr id="73" name="Connettore 2 72">
+            <a:extLst>
+              <a:ext uri="{FF2B5EF4-FFF2-40B4-BE49-F238E27FC236}">
+                <a16:creationId xmlns:a16="http://schemas.microsoft.com/office/drawing/2014/main" id="{6C66BC18-6417-0A41-A000-D89F69B3BE22}"/>
+              </a:ext>
+            </a:extLst>
+          </p:cNvPr>
+          <p:cNvCxnSpPr>
+            <a:cxnSpLocks/>
+          </p:cNvCxnSpPr>
+          <p:nvPr/>
+        </p:nvCxnSpPr>
+        <p:spPr>
+          <a:xfrm>
+            <a:off x="7934400" y="5564822"/>
+            <a:ext cx="508000" cy="0"/>
+          </a:xfrm>
+          <a:prstGeom prst="straightConnector1">
+            <a:avLst/>
+          </a:prstGeom>
+          <a:ln>
+            <a:headEnd type="triangle"/>
+            <a:tailEnd type="triangle"/>
+          </a:ln>
+        </p:spPr>
+        <p:style>
+          <a:lnRef idx="1">
+            <a:schemeClr val="accent1"/>
+          </a:lnRef>
+          <a:fillRef idx="0">
+            <a:schemeClr val="accent1"/>
+          </a:fillRef>
+          <a:effectRef idx="0">
+            <a:schemeClr val="accent1"/>
+          </a:effectRef>
+          <a:fontRef idx="minor">
+            <a:schemeClr val="tx1"/>
+          </a:fontRef>
+        </p:style>
+      </p:cxnSp>
+      <p:cxnSp>
+        <p:nvCxnSpPr>
+          <p:cNvPr id="28" name="Connettore 2 27">
+            <a:extLst>
+              <a:ext uri="{FF2B5EF4-FFF2-40B4-BE49-F238E27FC236}">
+                <a16:creationId xmlns:a16="http://schemas.microsoft.com/office/drawing/2014/main" id="{0FC3F3DC-4FEA-9C4C-9C31-700E2D7D1C04}"/>
+              </a:ext>
+            </a:extLst>
+          </p:cNvPr>
+          <p:cNvCxnSpPr>
+            <a:cxnSpLocks/>
+          </p:cNvCxnSpPr>
+          <p:nvPr/>
+        </p:nvCxnSpPr>
+        <p:spPr>
+          <a:xfrm flipV="1">
+            <a:off x="5682296" y="5052448"/>
+            <a:ext cx="0" cy="983949"/>
+          </a:xfrm>
+          <a:prstGeom prst="straightConnector1">
+            <a:avLst/>
+          </a:prstGeom>
+          <a:ln w="19050">
+            <a:tailEnd type="triangle"/>
+          </a:ln>
+        </p:spPr>
+        <p:style>
+          <a:lnRef idx="1">
+            <a:schemeClr val="dk1"/>
+          </a:lnRef>
+          <a:fillRef idx="0">
+            <a:schemeClr val="dk1"/>
+          </a:fillRef>
+          <a:effectRef idx="0">
+            <a:schemeClr val="dk1"/>
+          </a:effectRef>
+          <a:fontRef idx="minor">
+            <a:schemeClr val="tx1"/>
+          </a:fontRef>
+        </p:style>
+      </p:cxnSp>
+      <p:cxnSp>
+        <p:nvCxnSpPr>
+          <p:cNvPr id="31" name="Connettore 1 30">
+            <a:extLst>
+              <a:ext uri="{FF2B5EF4-FFF2-40B4-BE49-F238E27FC236}">
+                <a16:creationId xmlns:a16="http://schemas.microsoft.com/office/drawing/2014/main" id="{C71D6375-F235-7748-9969-5EFE7801FD07}"/>
+              </a:ext>
+            </a:extLst>
+          </p:cNvPr>
+          <p:cNvCxnSpPr>
+            <a:cxnSpLocks/>
+          </p:cNvCxnSpPr>
+          <p:nvPr/>
+        </p:nvCxnSpPr>
+        <p:spPr>
+          <a:xfrm flipV="1">
+            <a:off x="5682296" y="6025368"/>
+            <a:ext cx="1257164" cy="11029"/>
+          </a:xfrm>
+          <a:prstGeom prst="line">
+            <a:avLst/>
+          </a:prstGeom>
+          <a:ln w="19050"/>
+        </p:spPr>
+        <p:style>
+          <a:lnRef idx="1">
+            <a:schemeClr val="dk1"/>
+          </a:lnRef>
+          <a:fillRef idx="0">
+            <a:schemeClr val="dk1"/>
+          </a:fillRef>
+          <a:effectRef idx="0">
+            <a:schemeClr val="dk1"/>
+          </a:effectRef>
+          <a:fontRef idx="minor">
+            <a:schemeClr val="tx1"/>
+          </a:fontRef>
+        </p:style>
+      </p:cxnSp>
+      <p:cxnSp>
+        <p:nvCxnSpPr>
+          <p:cNvPr id="63" name="Connettore 1 62">
+            <a:extLst>
+              <a:ext uri="{FF2B5EF4-FFF2-40B4-BE49-F238E27FC236}">
+                <a16:creationId xmlns:a16="http://schemas.microsoft.com/office/drawing/2014/main" id="{68758CB1-88BB-1848-8685-1EF06856BB59}"/>
+              </a:ext>
+            </a:extLst>
+          </p:cNvPr>
+          <p:cNvCxnSpPr>
+            <a:cxnSpLocks/>
+          </p:cNvCxnSpPr>
+          <p:nvPr/>
+        </p:nvCxnSpPr>
+        <p:spPr>
+          <a:xfrm>
+            <a:off x="6931386" y="1238026"/>
+            <a:ext cx="18291" cy="4798371"/>
+          </a:xfrm>
+          <a:prstGeom prst="line">
+            <a:avLst/>
+          </a:prstGeom>
+          <a:ln w="19050">
+            <a:solidFill>
+              <a:srgbClr val="002060"/>
+            </a:solidFill>
+          </a:ln>
+        </p:spPr>
+        <p:style>
+          <a:lnRef idx="1">
+            <a:schemeClr val="accent1"/>
+          </a:lnRef>
+          <a:fillRef idx="0">
+            <a:schemeClr val="accent1"/>
+          </a:fillRef>
+          <a:effectRef idx="0">
+            <a:schemeClr val="accent1"/>
+          </a:effectRef>
+          <a:fontRef idx="minor">
+            <a:schemeClr val="tx1"/>
+          </a:fontRef>
+        </p:style>
+      </p:cxnSp>
+      <p:cxnSp>
+        <p:nvCxnSpPr>
+          <p:cNvPr id="79" name="Connettore 1 78">
+            <a:extLst>
+              <a:ext uri="{FF2B5EF4-FFF2-40B4-BE49-F238E27FC236}">
+                <a16:creationId xmlns:a16="http://schemas.microsoft.com/office/drawing/2014/main" id="{4A007F49-AF03-4840-BAD9-2FD6F72F5AC0}"/>
+              </a:ext>
+            </a:extLst>
+          </p:cNvPr>
+          <p:cNvCxnSpPr/>
+          <p:nvPr/>
+        </p:nvCxnSpPr>
+        <p:spPr>
+          <a:xfrm>
+            <a:off x="6949677" y="2200317"/>
+            <a:ext cx="136923" cy="0"/>
+          </a:xfrm>
+          <a:prstGeom prst="line">
+            <a:avLst/>
+          </a:prstGeom>
+        </p:spPr>
+        <p:style>
+          <a:lnRef idx="1">
+            <a:schemeClr val="dk1"/>
+          </a:lnRef>
+          <a:fillRef idx="0">
+            <a:schemeClr val="dk1"/>
+          </a:fillRef>
+          <a:effectRef idx="0">
+            <a:schemeClr val="dk1"/>
+          </a:effectRef>
+          <a:fontRef idx="minor">
+            <a:schemeClr val="tx1"/>
+          </a:fontRef>
+        </p:style>
+      </p:cxnSp>
+      <p:cxnSp>
+        <p:nvCxnSpPr>
+          <p:cNvPr id="113" name="Connettore 1 112">
+            <a:extLst>
+              <a:ext uri="{FF2B5EF4-FFF2-40B4-BE49-F238E27FC236}">
+                <a16:creationId xmlns:a16="http://schemas.microsoft.com/office/drawing/2014/main" id="{D5861B4F-EFF8-8D4B-A5A3-9AF014B0979E}"/>
+              </a:ext>
+            </a:extLst>
+          </p:cNvPr>
+          <p:cNvCxnSpPr>
+            <a:cxnSpLocks/>
+          </p:cNvCxnSpPr>
+          <p:nvPr/>
+        </p:nvCxnSpPr>
+        <p:spPr>
+          <a:xfrm>
+            <a:off x="6949677" y="3461166"/>
+            <a:ext cx="157361" cy="0"/>
+          </a:xfrm>
+          <a:prstGeom prst="line">
+            <a:avLst/>
+          </a:prstGeom>
+        </p:spPr>
+        <p:style>
+          <a:lnRef idx="1">
+            <a:schemeClr val="dk1"/>
+          </a:lnRef>
+          <a:fillRef idx="0">
+            <a:schemeClr val="dk1"/>
+          </a:fillRef>
+          <a:effectRef idx="0">
+            <a:schemeClr val="dk1"/>
+          </a:effectRef>
+          <a:fontRef idx="minor">
+            <a:schemeClr val="tx1"/>
+          </a:fontRef>
+        </p:style>
+      </p:cxnSp>
+      <p:cxnSp>
+        <p:nvCxnSpPr>
+          <p:cNvPr id="115" name="Connettore 1 114">
+            <a:extLst>
+              <a:ext uri="{FF2B5EF4-FFF2-40B4-BE49-F238E27FC236}">
+                <a16:creationId xmlns:a16="http://schemas.microsoft.com/office/drawing/2014/main" id="{A74D7174-C79B-2646-B4CE-7A82B923C54D}"/>
+              </a:ext>
+            </a:extLst>
+          </p:cNvPr>
+          <p:cNvCxnSpPr/>
+          <p:nvPr/>
+        </p:nvCxnSpPr>
+        <p:spPr>
+          <a:xfrm>
+            <a:off x="6949677" y="4550027"/>
+            <a:ext cx="136923" cy="0"/>
+          </a:xfrm>
+          <a:prstGeom prst="line">
+            <a:avLst/>
+          </a:prstGeom>
+        </p:spPr>
+        <p:style>
+          <a:lnRef idx="1">
+            <a:schemeClr val="dk1"/>
+          </a:lnRef>
+          <a:fillRef idx="0">
+            <a:schemeClr val="dk1"/>
+          </a:fillRef>
+          <a:effectRef idx="0">
+            <a:schemeClr val="dk1"/>
+          </a:effectRef>
+          <a:fontRef idx="minor">
+            <a:schemeClr val="tx1"/>
+          </a:fontRef>
+        </p:style>
+      </p:cxnSp>
+      <p:cxnSp>
+        <p:nvCxnSpPr>
+          <p:cNvPr id="116" name="Connettore 1 115">
+            <a:extLst>
+              <a:ext uri="{FF2B5EF4-FFF2-40B4-BE49-F238E27FC236}">
+                <a16:creationId xmlns:a16="http://schemas.microsoft.com/office/drawing/2014/main" id="{A930D5D9-B3D9-5342-8AE2-998F89FED884}"/>
+              </a:ext>
+            </a:extLst>
+          </p:cNvPr>
+          <p:cNvCxnSpPr/>
+          <p:nvPr/>
+        </p:nvCxnSpPr>
+        <p:spPr>
+          <a:xfrm>
+            <a:off x="6959895" y="5600333"/>
+            <a:ext cx="136923" cy="0"/>
+          </a:xfrm>
+          <a:prstGeom prst="line">
+            <a:avLst/>
+          </a:prstGeom>
+        </p:spPr>
+        <p:style>
+          <a:lnRef idx="1">
+            <a:schemeClr val="dk1"/>
+          </a:lnRef>
+          <a:fillRef idx="0">
+            <a:schemeClr val="dk1"/>
+          </a:fillRef>
+          <a:effectRef idx="0">
+            <a:schemeClr val="dk1"/>
+          </a:effectRef>
+          <a:fontRef idx="minor">
+            <a:schemeClr val="tx1"/>
+          </a:fontRef>
+        </p:style>
+      </p:cxnSp>
+      <p:cxnSp>
+        <p:nvCxnSpPr>
+          <p:cNvPr id="121" name="Connettore 1 120">
+            <a:extLst>
+              <a:ext uri="{FF2B5EF4-FFF2-40B4-BE49-F238E27FC236}">
+                <a16:creationId xmlns:a16="http://schemas.microsoft.com/office/drawing/2014/main" id="{3AFE95EB-76A0-CB43-BE42-4E8FE76E292D}"/>
+              </a:ext>
+            </a:extLst>
+          </p:cNvPr>
+          <p:cNvCxnSpPr>
+            <a:cxnSpLocks/>
+          </p:cNvCxnSpPr>
+          <p:nvPr/>
+        </p:nvCxnSpPr>
+        <p:spPr>
+          <a:xfrm>
+            <a:off x="6555977" y="1129572"/>
+            <a:ext cx="0" cy="5728182"/>
+          </a:xfrm>
+          <a:prstGeom prst="line">
+            <a:avLst/>
+          </a:prstGeom>
+          <a:ln w="19050">
+            <a:solidFill>
+              <a:schemeClr val="accent6"/>
+            </a:solidFill>
+          </a:ln>
+        </p:spPr>
+        <p:style>
+          <a:lnRef idx="1">
+            <a:schemeClr val="accent1"/>
+          </a:lnRef>
+          <a:fillRef idx="0">
+            <a:schemeClr val="accent1"/>
+          </a:fillRef>
+          <a:effectRef idx="0">
+            <a:schemeClr val="accent1"/>
+          </a:effectRef>
+          <a:fontRef idx="minor">
+            <a:schemeClr val="tx1"/>
+          </a:fontRef>
+        </p:style>
+      </p:cxnSp>
+      <p:cxnSp>
+        <p:nvCxnSpPr>
+          <p:cNvPr id="91" name="Connettore 1 90">
+            <a:extLst>
+              <a:ext uri="{FF2B5EF4-FFF2-40B4-BE49-F238E27FC236}">
+                <a16:creationId xmlns:a16="http://schemas.microsoft.com/office/drawing/2014/main" id="{A975D509-DCC2-BF4A-A189-524285D96987}"/>
+              </a:ext>
+            </a:extLst>
+          </p:cNvPr>
+          <p:cNvCxnSpPr>
+            <a:cxnSpLocks/>
+          </p:cNvCxnSpPr>
+          <p:nvPr/>
+        </p:nvCxnSpPr>
+        <p:spPr>
+          <a:xfrm>
+            <a:off x="6555977" y="2056672"/>
+            <a:ext cx="540841" cy="0"/>
+          </a:xfrm>
+          <a:prstGeom prst="line">
+            <a:avLst/>
+          </a:prstGeom>
+        </p:spPr>
+        <p:style>
+          <a:lnRef idx="1">
+            <a:schemeClr val="accent1"/>
+          </a:lnRef>
+          <a:fillRef idx="0">
+            <a:schemeClr val="accent1"/>
+          </a:fillRef>
+          <a:effectRef idx="0">
+            <a:schemeClr val="accent1"/>
+          </a:effectRef>
+          <a:fontRef idx="minor">
+            <a:schemeClr val="tx1"/>
+          </a:fontRef>
+        </p:style>
+      </p:cxnSp>
+      <p:cxnSp>
+        <p:nvCxnSpPr>
+          <p:cNvPr id="131" name="Connettore 1 130">
+            <a:extLst>
+              <a:ext uri="{FF2B5EF4-FFF2-40B4-BE49-F238E27FC236}">
+                <a16:creationId xmlns:a16="http://schemas.microsoft.com/office/drawing/2014/main" id="{E3C72A36-26EE-8C47-A949-F509053E0C5E}"/>
+              </a:ext>
+            </a:extLst>
+          </p:cNvPr>
+          <p:cNvCxnSpPr>
+            <a:cxnSpLocks/>
+          </p:cNvCxnSpPr>
+          <p:nvPr/>
+        </p:nvCxnSpPr>
+        <p:spPr>
+          <a:xfrm>
+            <a:off x="6566197" y="3308070"/>
+            <a:ext cx="540841" cy="0"/>
+          </a:xfrm>
+          <a:prstGeom prst="line">
+            <a:avLst/>
+          </a:prstGeom>
+        </p:spPr>
+        <p:style>
+          <a:lnRef idx="1">
+            <a:schemeClr val="accent1"/>
+          </a:lnRef>
+          <a:fillRef idx="0">
+            <a:schemeClr val="accent1"/>
+          </a:fillRef>
+          <a:effectRef idx="0">
+            <a:schemeClr val="accent1"/>
+          </a:effectRef>
+          <a:fontRef idx="minor">
+            <a:schemeClr val="tx1"/>
+          </a:fontRef>
+        </p:style>
+      </p:cxnSp>
+      <p:cxnSp>
+        <p:nvCxnSpPr>
+          <p:cNvPr id="132" name="Connettore 1 131">
+            <a:extLst>
+              <a:ext uri="{FF2B5EF4-FFF2-40B4-BE49-F238E27FC236}">
+                <a16:creationId xmlns:a16="http://schemas.microsoft.com/office/drawing/2014/main" id="{1D5E9614-1A8F-4541-8446-ABDCF8400291}"/>
+              </a:ext>
+            </a:extLst>
+          </p:cNvPr>
+          <p:cNvCxnSpPr>
+            <a:cxnSpLocks/>
+          </p:cNvCxnSpPr>
+          <p:nvPr/>
+        </p:nvCxnSpPr>
+        <p:spPr>
+          <a:xfrm>
+            <a:off x="6545759" y="4457910"/>
+            <a:ext cx="540841" cy="0"/>
+          </a:xfrm>
+          <a:prstGeom prst="line">
+            <a:avLst/>
+          </a:prstGeom>
+        </p:spPr>
+        <p:style>
+          <a:lnRef idx="1">
+            <a:schemeClr val="accent1"/>
+          </a:lnRef>
+          <a:fillRef idx="0">
+            <a:schemeClr val="accent1"/>
+          </a:fillRef>
+          <a:effectRef idx="0">
+            <a:schemeClr val="accent1"/>
+          </a:effectRef>
+          <a:fontRef idx="minor">
+            <a:schemeClr val="tx1"/>
+          </a:fontRef>
+        </p:style>
+      </p:cxnSp>
+      <p:cxnSp>
+        <p:nvCxnSpPr>
+          <p:cNvPr id="133" name="Connettore 1 132">
+            <a:extLst>
+              <a:ext uri="{FF2B5EF4-FFF2-40B4-BE49-F238E27FC236}">
+                <a16:creationId xmlns:a16="http://schemas.microsoft.com/office/drawing/2014/main" id="{AB8E7CBE-B692-B741-8479-F0D01DED4449}"/>
+              </a:ext>
+            </a:extLst>
+          </p:cNvPr>
+          <p:cNvCxnSpPr>
+            <a:cxnSpLocks/>
+          </p:cNvCxnSpPr>
+          <p:nvPr/>
+        </p:nvCxnSpPr>
+        <p:spPr>
+          <a:xfrm>
+            <a:off x="6555977" y="5498513"/>
+            <a:ext cx="540841" cy="0"/>
+          </a:xfrm>
+          <a:prstGeom prst="line">
+            <a:avLst/>
+          </a:prstGeom>
+        </p:spPr>
+        <p:style>
+          <a:lnRef idx="1">
+            <a:schemeClr val="accent1"/>
+          </a:lnRef>
+          <a:fillRef idx="0">
+            <a:schemeClr val="accent1"/>
+          </a:fillRef>
+          <a:effectRef idx="0">
+            <a:schemeClr val="accent1"/>
+          </a:effectRef>
+          <a:fontRef idx="minor">
+            <a:schemeClr val="tx1"/>
+          </a:fontRef>
+        </p:style>
+      </p:cxnSp>
+      <p:cxnSp>
+        <p:nvCxnSpPr>
+          <p:cNvPr id="134" name="Connettore 1 133">
+            <a:extLst>
+              <a:ext uri="{FF2B5EF4-FFF2-40B4-BE49-F238E27FC236}">
+                <a16:creationId xmlns:a16="http://schemas.microsoft.com/office/drawing/2014/main" id="{97721169-0E63-7F4E-8811-F7E70C00E7BA}"/>
+              </a:ext>
+            </a:extLst>
+          </p:cNvPr>
+          <p:cNvCxnSpPr>
+            <a:cxnSpLocks/>
+          </p:cNvCxnSpPr>
+          <p:nvPr/>
+        </p:nvCxnSpPr>
+        <p:spPr>
+          <a:xfrm>
+            <a:off x="3281835" y="6857754"/>
+            <a:ext cx="3284362" cy="0"/>
+          </a:xfrm>
+          <a:prstGeom prst="line">
+            <a:avLst/>
+          </a:prstGeom>
+          <a:ln w="19050"/>
+        </p:spPr>
+        <p:style>
+          <a:lnRef idx="1">
+            <a:schemeClr val="accent1"/>
+          </a:lnRef>
+          <a:fillRef idx="0">
+            <a:schemeClr val="accent1"/>
+          </a:fillRef>
+          <a:effectRef idx="0">
+            <a:schemeClr val="accent1"/>
+          </a:effectRef>
+          <a:fontRef idx="minor">
+            <a:schemeClr val="tx1"/>
+          </a:fontRef>
+        </p:style>
+      </p:cxnSp>
+      <p:cxnSp>
+        <p:nvCxnSpPr>
+          <p:cNvPr id="96" name="Connettore 2 95">
+            <a:extLst>
+              <a:ext uri="{FF2B5EF4-FFF2-40B4-BE49-F238E27FC236}">
+                <a16:creationId xmlns:a16="http://schemas.microsoft.com/office/drawing/2014/main" id="{BE2E68C5-9FAC-EA46-A345-22D61C81CDB1}"/>
+              </a:ext>
+            </a:extLst>
+          </p:cNvPr>
+          <p:cNvCxnSpPr>
+            <a:cxnSpLocks/>
+          </p:cNvCxnSpPr>
+          <p:nvPr/>
+        </p:nvCxnSpPr>
+        <p:spPr>
+          <a:xfrm flipV="1">
+            <a:off x="3281835" y="5052449"/>
+            <a:ext cx="0" cy="1805305"/>
+          </a:xfrm>
+          <a:prstGeom prst="straightConnector1">
+            <a:avLst/>
+          </a:prstGeom>
+          <a:ln w="19050">
+            <a:tailEnd type="triangle"/>
+          </a:ln>
+        </p:spPr>
+        <p:style>
+          <a:lnRef idx="1">
+            <a:schemeClr val="accent1"/>
+          </a:lnRef>
+          <a:fillRef idx="0">
+            <a:schemeClr val="accent1"/>
+          </a:fillRef>
+          <a:effectRef idx="0">
+            <a:schemeClr val="accent1"/>
+          </a:effectRef>
+          <a:fontRef idx="minor">
+            <a:schemeClr val="tx1"/>
+          </a:fontRef>
+        </p:style>
+      </p:cxnSp>
+      <p:sp>
+        <p:nvSpPr>
+          <p:cNvPr id="97" name="CasellaDiTesto 96">
+            <a:extLst>
+              <a:ext uri="{FF2B5EF4-FFF2-40B4-BE49-F238E27FC236}">
+                <a16:creationId xmlns:a16="http://schemas.microsoft.com/office/drawing/2014/main" id="{9242C972-4423-E344-AE2E-3C6B6F3173DE}"/>
+              </a:ext>
+            </a:extLst>
+          </p:cNvPr>
+          <p:cNvSpPr txBox="1"/>
+          <p:nvPr/>
+        </p:nvSpPr>
+        <p:spPr>
+          <a:xfrm rot="2462683">
+            <a:off x="1795513" y="3552039"/>
+            <a:ext cx="1073405" cy="261610"/>
+          </a:xfrm>
+          <a:prstGeom prst="rect">
+            <a:avLst/>
+          </a:prstGeom>
+          <a:noFill/>
+        </p:spPr>
+        <p:txBody>
+          <a:bodyPr wrap="square" rtlCol="0">
+            <a:spAutoFit/>
+          </a:bodyPr>
+          <a:lstStyle/>
+          <a:p>
+            <a:r>
+              <a:rPr lang="it-IT" sz="1100" dirty="0"/>
+              <a:t>REST API</a:t>
+            </a:r>
+          </a:p>
+        </p:txBody>
+      </p:sp>
+      <p:sp>
+        <p:nvSpPr>
+          <p:cNvPr id="139" name="CasellaDiTesto 138">
+            <a:extLst>
+              <a:ext uri="{FF2B5EF4-FFF2-40B4-BE49-F238E27FC236}">
+                <a16:creationId xmlns:a16="http://schemas.microsoft.com/office/drawing/2014/main" id="{C8F98FD6-A850-FA48-B2BE-1C540F0057B5}"/>
+              </a:ext>
+            </a:extLst>
+          </p:cNvPr>
+          <p:cNvSpPr txBox="1"/>
+          <p:nvPr/>
+        </p:nvSpPr>
+        <p:spPr>
+          <a:xfrm rot="18980518">
+            <a:off x="1831495" y="5183749"/>
+            <a:ext cx="1073405" cy="261610"/>
+          </a:xfrm>
+          <a:prstGeom prst="rect">
+            <a:avLst/>
+          </a:prstGeom>
+          <a:noFill/>
+        </p:spPr>
+        <p:txBody>
+          <a:bodyPr wrap="square" rtlCol="0">
+            <a:spAutoFit/>
+          </a:bodyPr>
+          <a:lstStyle/>
+          <a:p>
+            <a:r>
+              <a:rPr lang="it-IT" sz="1100" dirty="0"/>
+              <a:t>REST API</a:t>
+            </a:r>
+          </a:p>
+        </p:txBody>
+      </p:sp>
+      <p:sp>
+        <p:nvSpPr>
+          <p:cNvPr id="98" name="CasellaDiTesto 97">
+            <a:extLst>
+              <a:ext uri="{FF2B5EF4-FFF2-40B4-BE49-F238E27FC236}">
+                <a16:creationId xmlns:a16="http://schemas.microsoft.com/office/drawing/2014/main" id="{06EDAB24-767B-3641-A0F8-81817D268E57}"/>
+              </a:ext>
+            </a:extLst>
+          </p:cNvPr>
+          <p:cNvSpPr txBox="1"/>
+          <p:nvPr/>
+        </p:nvSpPr>
+        <p:spPr>
+          <a:xfrm>
+            <a:off x="3850721" y="4189368"/>
+            <a:ext cx="1258678" cy="261610"/>
+          </a:xfrm>
+          <a:prstGeom prst="rect">
+            <a:avLst/>
+          </a:prstGeom>
+          <a:noFill/>
+        </p:spPr>
+        <p:txBody>
+          <a:bodyPr wrap="none" rtlCol="0">
+            <a:spAutoFit/>
+          </a:bodyPr>
+          <a:lstStyle/>
+          <a:p>
+            <a:r>
+              <a:rPr lang="it-IT" sz="1100" dirty="0"/>
+              <a:t>Server Discovery</a:t>
+            </a:r>
+          </a:p>
+        </p:txBody>
+      </p:sp>
+      <p:sp>
+        <p:nvSpPr>
+          <p:cNvPr id="99" name="Rettangolo 98">
+            <a:extLst>
+              <a:ext uri="{FF2B5EF4-FFF2-40B4-BE49-F238E27FC236}">
+                <a16:creationId xmlns:a16="http://schemas.microsoft.com/office/drawing/2014/main" id="{35AEB9D1-4195-8045-8CC4-ADF719DB1785}"/>
+              </a:ext>
+            </a:extLst>
+          </p:cNvPr>
+          <p:cNvSpPr/>
+          <p:nvPr/>
+        </p:nvSpPr>
+        <p:spPr>
+          <a:xfrm>
+            <a:off x="3854109" y="6842463"/>
+            <a:ext cx="2664916" cy="261610"/>
+          </a:xfrm>
+          <a:prstGeom prst="rect">
+            <a:avLst/>
+          </a:prstGeom>
+        </p:spPr>
+        <p:txBody>
+          <a:bodyPr wrap="square">
+            <a:spAutoFit/>
+          </a:bodyPr>
+          <a:lstStyle/>
+          <a:p>
+            <a:r>
+              <a:rPr lang="it-IT" sz="1100" dirty="0">
+                <a:solidFill>
+                  <a:schemeClr val="tx1"/>
+                </a:solidFill>
+                <a:latin typeface="+mn-lt"/>
+              </a:rPr>
+              <a:t>Request forwarding / response</a:t>
+            </a:r>
+          </a:p>
+        </p:txBody>
+      </p:sp>
+      <p:sp>
+        <p:nvSpPr>
+          <p:cNvPr id="101" name="CasellaDiTesto 100">
+            <a:extLst>
+              <a:ext uri="{FF2B5EF4-FFF2-40B4-BE49-F238E27FC236}">
+                <a16:creationId xmlns:a16="http://schemas.microsoft.com/office/drawing/2014/main" id="{D07F877F-0ECE-7841-9D2B-48BDBA555159}"/>
+              </a:ext>
+            </a:extLst>
+          </p:cNvPr>
+          <p:cNvSpPr txBox="1"/>
+          <p:nvPr/>
+        </p:nvSpPr>
+        <p:spPr>
+          <a:xfrm>
+            <a:off x="4804090" y="1234504"/>
+            <a:ext cx="764953" cy="261610"/>
+          </a:xfrm>
+          <a:prstGeom prst="rect">
+            <a:avLst/>
+          </a:prstGeom>
+          <a:noFill/>
+        </p:spPr>
+        <p:txBody>
+          <a:bodyPr wrap="none" rtlCol="0">
+            <a:spAutoFit/>
+          </a:bodyPr>
+          <a:lstStyle/>
+          <a:p>
+            <a:r>
+              <a:rPr lang="it-IT" sz="1100" dirty="0"/>
+              <a:t>Pre-Filter</a:t>
+            </a:r>
+            <a:endParaRPr lang="it-IT" sz="1200" dirty="0"/>
+          </a:p>
+        </p:txBody>
+      </p:sp>
+      <p:cxnSp>
+        <p:nvCxnSpPr>
+          <p:cNvPr id="144" name="Connettore 2 143">
+            <a:extLst>
+              <a:ext uri="{FF2B5EF4-FFF2-40B4-BE49-F238E27FC236}">
+                <a16:creationId xmlns:a16="http://schemas.microsoft.com/office/drawing/2014/main" id="{F2B41368-E17A-854A-8A89-F5652B03F58D}"/>
+              </a:ext>
+            </a:extLst>
+          </p:cNvPr>
+          <p:cNvCxnSpPr>
+            <a:cxnSpLocks/>
+          </p:cNvCxnSpPr>
+          <p:nvPr/>
+        </p:nvCxnSpPr>
+        <p:spPr>
+          <a:xfrm>
+            <a:off x="7909200" y="1262140"/>
+            <a:ext cx="508000" cy="0"/>
+          </a:xfrm>
+          <a:prstGeom prst="straightConnector1">
+            <a:avLst/>
+          </a:prstGeom>
+          <a:ln>
+            <a:headEnd type="triangle"/>
+            <a:tailEnd type="triangle"/>
+          </a:ln>
+        </p:spPr>
+        <p:style>
+          <a:lnRef idx="1">
+            <a:schemeClr val="accent1"/>
+          </a:lnRef>
+          <a:fillRef idx="0">
+            <a:schemeClr val="accent1"/>
+          </a:fillRef>
+          <a:effectRef idx="0">
+            <a:schemeClr val="accent1"/>
+          </a:effectRef>
+          <a:fontRef idx="minor">
+            <a:schemeClr val="tx1"/>
+          </a:fontRef>
+        </p:style>
+      </p:cxnSp>
+      <p:cxnSp>
+        <p:nvCxnSpPr>
+          <p:cNvPr id="151" name="Connettore 1 150">
+            <a:extLst>
+              <a:ext uri="{FF2B5EF4-FFF2-40B4-BE49-F238E27FC236}">
+                <a16:creationId xmlns:a16="http://schemas.microsoft.com/office/drawing/2014/main" id="{CC637244-1215-4443-91A0-1F778D6B11E1}"/>
+              </a:ext>
+            </a:extLst>
+          </p:cNvPr>
+          <p:cNvCxnSpPr>
+            <a:cxnSpLocks/>
+          </p:cNvCxnSpPr>
+          <p:nvPr/>
+        </p:nvCxnSpPr>
+        <p:spPr>
+          <a:xfrm>
+            <a:off x="6555977" y="1129572"/>
+            <a:ext cx="540841" cy="0"/>
+          </a:xfrm>
+          <a:prstGeom prst="line">
+            <a:avLst/>
+          </a:prstGeom>
+        </p:spPr>
+        <p:style>
+          <a:lnRef idx="1">
+            <a:schemeClr val="accent1"/>
+          </a:lnRef>
+          <a:fillRef idx="0">
+            <a:schemeClr val="accent1"/>
+          </a:fillRef>
+          <a:effectRef idx="0">
+            <a:schemeClr val="accent1"/>
+          </a:effectRef>
+          <a:fontRef idx="minor">
+            <a:schemeClr val="tx1"/>
+          </a:fontRef>
+        </p:style>
+      </p:cxnSp>
+      <p:cxnSp>
+        <p:nvCxnSpPr>
+          <p:cNvPr id="156" name="Connettore 1 155">
+            <a:extLst>
+              <a:ext uri="{FF2B5EF4-FFF2-40B4-BE49-F238E27FC236}">
+                <a16:creationId xmlns:a16="http://schemas.microsoft.com/office/drawing/2014/main" id="{007D9AA9-0816-7B47-AE86-DE9B154EC8F1}"/>
+              </a:ext>
+            </a:extLst>
+          </p:cNvPr>
+          <p:cNvCxnSpPr/>
+          <p:nvPr/>
+        </p:nvCxnSpPr>
+        <p:spPr>
+          <a:xfrm>
+            <a:off x="6931386" y="1238026"/>
+            <a:ext cx="136923" cy="0"/>
+          </a:xfrm>
+          <a:prstGeom prst="line">
+            <a:avLst/>
+          </a:prstGeom>
+        </p:spPr>
+        <p:style>
+          <a:lnRef idx="1">
+            <a:schemeClr val="dk1"/>
+          </a:lnRef>
+          <a:fillRef idx="0">
+            <a:schemeClr val="dk1"/>
+          </a:fillRef>
+          <a:effectRef idx="0">
+            <a:schemeClr val="dk1"/>
+          </a:effectRef>
+          <a:fontRef idx="minor">
+            <a:schemeClr val="tx1"/>
+          </a:fontRef>
+        </p:style>
+      </p:cxnSp>
+      <p:cxnSp>
+        <p:nvCxnSpPr>
+          <p:cNvPr id="117" name="Connettore 4 116">
+            <a:extLst>
+              <a:ext uri="{FF2B5EF4-FFF2-40B4-BE49-F238E27FC236}">
+                <a16:creationId xmlns:a16="http://schemas.microsoft.com/office/drawing/2014/main" id="{DA1839E8-A8A4-DC44-AE3E-2E1287F9E338}"/>
+              </a:ext>
+            </a:extLst>
+          </p:cNvPr>
+          <p:cNvCxnSpPr>
+            <a:endCxn id="1058" idx="0"/>
+          </p:cNvCxnSpPr>
+          <p:nvPr/>
+        </p:nvCxnSpPr>
+        <p:spPr>
+          <a:xfrm rot="10800000" flipV="1">
+            <a:off x="3281836" y="1449319"/>
+            <a:ext cx="3814983" cy="2542478"/>
+          </a:xfrm>
+          <a:prstGeom prst="bentConnector2">
+            <a:avLst/>
+          </a:prstGeom>
+          <a:ln w="19050">
+            <a:solidFill>
+              <a:srgbClr val="00B050"/>
+            </a:solidFill>
+            <a:tailEnd type="triangle"/>
+          </a:ln>
+        </p:spPr>
+        <p:style>
+          <a:lnRef idx="1">
+            <a:schemeClr val="accent1"/>
+          </a:lnRef>
+          <a:fillRef idx="0">
+            <a:schemeClr val="accent1"/>
+          </a:fillRef>
+          <a:effectRef idx="0">
+            <a:schemeClr val="accent1"/>
+          </a:effectRef>
+          <a:fontRef idx="minor">
+            <a:schemeClr val="tx1"/>
+          </a:fontRef>
+        </p:style>
+      </p:cxnSp>
+      <p:sp>
+        <p:nvSpPr>
+          <p:cNvPr id="120" name="CasellaDiTesto 119">
+            <a:extLst>
+              <a:ext uri="{FF2B5EF4-FFF2-40B4-BE49-F238E27FC236}">
+                <a16:creationId xmlns:a16="http://schemas.microsoft.com/office/drawing/2014/main" id="{3ADCAF56-D552-1140-9F74-1381606A19CF}"/>
+              </a:ext>
+            </a:extLst>
+          </p:cNvPr>
+          <p:cNvSpPr txBox="1"/>
+          <p:nvPr/>
+        </p:nvSpPr>
+        <p:spPr>
+          <a:xfrm>
+            <a:off x="890571" y="6488422"/>
+            <a:ext cx="723275" cy="369332"/>
+          </a:xfrm>
+          <a:prstGeom prst="rect">
+            <a:avLst/>
+          </a:prstGeom>
+          <a:noFill/>
+        </p:spPr>
+        <p:txBody>
+          <a:bodyPr wrap="none" rtlCol="0">
+            <a:spAutoFit/>
+          </a:bodyPr>
+          <a:lstStyle/>
+          <a:p>
+            <a:r>
+              <a:rPr lang="it-IT" sz="1800" dirty="0"/>
+              <a:t>client</a:t>
+            </a:r>
+            <a:endParaRPr lang="it-IT" dirty="0"/>
+          </a:p>
+        </p:txBody>
+      </p:sp>
+      <p:sp>
+        <p:nvSpPr>
+          <p:cNvPr id="122" name="CasellaDiTesto 121">
+            <a:extLst>
+              <a:ext uri="{FF2B5EF4-FFF2-40B4-BE49-F238E27FC236}">
+                <a16:creationId xmlns:a16="http://schemas.microsoft.com/office/drawing/2014/main" id="{196A85FE-DE8E-994B-9C24-E345AFA42821}"/>
+              </a:ext>
+            </a:extLst>
+          </p:cNvPr>
+          <p:cNvSpPr txBox="1"/>
+          <p:nvPr/>
+        </p:nvSpPr>
+        <p:spPr>
+          <a:xfrm>
+            <a:off x="603673" y="3515822"/>
+            <a:ext cx="1197765" cy="646331"/>
+          </a:xfrm>
+          <a:prstGeom prst="rect">
+            <a:avLst/>
+          </a:prstGeom>
+          <a:noFill/>
+        </p:spPr>
+        <p:txBody>
+          <a:bodyPr wrap="none" rtlCol="0">
+            <a:spAutoFit/>
+          </a:bodyPr>
+          <a:lstStyle/>
+          <a:p>
+            <a:pPr algn="ctr"/>
+            <a:r>
+              <a:rPr lang="it-IT" sz="1800" dirty="0"/>
+              <a:t>Web App </a:t>
+            </a:r>
+          </a:p>
+          <a:p>
+            <a:pPr algn="ctr"/>
+            <a:r>
+              <a:rPr lang="it-IT" sz="1800" dirty="0"/>
+              <a:t>client</a:t>
+            </a:r>
+          </a:p>
+        </p:txBody>
+      </p:sp>
+      <p:sp>
+        <p:nvSpPr>
+          <p:cNvPr id="2" name="Rettangolo con angoli arrotondati 1">
+            <a:extLst>
+              <a:ext uri="{FF2B5EF4-FFF2-40B4-BE49-F238E27FC236}">
+                <a16:creationId xmlns:a16="http://schemas.microsoft.com/office/drawing/2014/main" id="{03AB2411-21D0-134D-B759-C1CBE0B0558F}"/>
+              </a:ext>
+            </a:extLst>
+          </p:cNvPr>
+          <p:cNvSpPr/>
+          <p:nvPr/>
+        </p:nvSpPr>
+        <p:spPr>
+          <a:xfrm>
+            <a:off x="274320" y="751840"/>
+            <a:ext cx="9570720" cy="6644640"/>
+          </a:xfrm>
+          <a:prstGeom prst="roundRect">
+            <a:avLst/>
+          </a:prstGeom>
+          <a:noFill/>
+        </p:spPr>
+        <p:style>
+          <a:lnRef idx="2">
+            <a:schemeClr val="accent6"/>
+          </a:lnRef>
+          <a:fillRef idx="1">
+            <a:schemeClr val="lt1"/>
+          </a:fillRef>
+          <a:effectRef idx="0">
+            <a:schemeClr val="accent6"/>
+          </a:effectRef>
+          <a:fontRef idx="minor">
+            <a:schemeClr val="dk1"/>
+          </a:fontRef>
+        </p:style>
+        <p:txBody>
+          <a:bodyPr rtlCol="0" anchor="ctr"/>
+          <a:lstStyle/>
+          <a:p>
+            <a:pPr algn="ctr"/>
+            <a:endParaRPr lang="it-IT"/>
+          </a:p>
+        </p:txBody>
+      </p:sp>
+      <p:sp>
+        <p:nvSpPr>
+          <p:cNvPr id="100" name="Rettangolo 99">
+            <a:extLst>
+              <a:ext uri="{FF2B5EF4-FFF2-40B4-BE49-F238E27FC236}">
+                <a16:creationId xmlns:a16="http://schemas.microsoft.com/office/drawing/2014/main" id="{09117F61-BC60-7B4F-ACFE-5C240A845619}"/>
+              </a:ext>
+            </a:extLst>
+          </p:cNvPr>
+          <p:cNvSpPr/>
+          <p:nvPr/>
+        </p:nvSpPr>
+        <p:spPr>
+          <a:xfrm>
+            <a:off x="5458325" y="6011074"/>
+            <a:ext cx="1853392" cy="261610"/>
+          </a:xfrm>
+          <a:prstGeom prst="rect">
+            <a:avLst/>
+          </a:prstGeom>
+        </p:spPr>
+        <p:txBody>
+          <a:bodyPr wrap="none">
+            <a:spAutoFit/>
+          </a:bodyPr>
+          <a:lstStyle/>
+          <a:p>
+            <a:r>
+              <a:rPr lang="it-IT" sz="1100" dirty="0">
+                <a:solidFill>
+                  <a:schemeClr val="tx1"/>
+                </a:solidFill>
+                <a:latin typeface="+mn-lt"/>
+              </a:rPr>
+              <a:t>Microservices registrations</a:t>
+            </a:r>
+          </a:p>
+        </p:txBody>
+      </p:sp>
+    </p:spTree>
+    <p:extLst>
+      <p:ext uri="{BB962C8B-B14F-4D97-AF65-F5344CB8AC3E}">
+        <p14:creationId xmlns:p14="http://schemas.microsoft.com/office/powerpoint/2010/main" val="3483695357"/>
+      </p:ext>
+    </p:extLst>
+  </p:cSld>
+  <p:clrMapOvr>
+    <a:masterClrMapping/>
+  </p:clrMapOvr>
+</p:sld>
+</file>
+
+<file path=ppt/slides/slide13.xml><?xml version="1.0" encoding="utf-8"?>
+<p:sld xmlns:a="http://schemas.openxmlformats.org/drawingml/2006/main" xmlns:r="http://schemas.openxmlformats.org/officeDocument/2006/relationships" xmlns:p="http://schemas.openxmlformats.org/presentationml/2006/main">
+  <p:cSld>
+    <p:bg>
+      <p:bgPr>
+        <a:solidFill>
+          <a:srgbClr val="FFFFFF"/>
+        </a:solidFill>
+        <a:effectLst/>
+      </p:bgPr>
+    </p:bg>
+    <p:spTree>
+      <p:nvGrpSpPr>
         <p:cNvPr id="1" name="Shape 248"/>
         <p:cNvGrpSpPr/>
         <p:nvPr/>
@@ -29508,7 +32031,7 @@
 </p:sld>
 </file>
 
-<file path=ppt/slides/slide13.xml><?xml version="1.0" encoding="utf-8"?>
+<file path=ppt/slides/slide14.xml><?xml version="1.0" encoding="utf-8"?>
 <p:sld xmlns:a="http://schemas.openxmlformats.org/drawingml/2006/main" xmlns:r="http://schemas.openxmlformats.org/officeDocument/2006/relationships" xmlns:p="http://schemas.openxmlformats.org/presentationml/2006/main">
   <p:cSld>
     <p:bg>
@@ -29637,7 +32160,7 @@
 </p:sld>
 </file>
 
-<file path=ppt/slides/slide14.xml><?xml version="1.0" encoding="utf-8"?>
+<file path=ppt/slides/slide15.xml><?xml version="1.0" encoding="utf-8"?>
 <p:sld xmlns:a="http://schemas.openxmlformats.org/drawingml/2006/main" xmlns:r="http://schemas.openxmlformats.org/officeDocument/2006/relationships" xmlns:p="http://schemas.openxmlformats.org/presentationml/2006/main">
   <p:cSld>
     <p:bg>
@@ -30892,7 +33415,7 @@
 </p:sld>
 </file>
 
-<file path=ppt/slides/slide15.xml><?xml version="1.0" encoding="utf-8"?>
+<file path=ppt/slides/slide16.xml><?xml version="1.0" encoding="utf-8"?>
 <p:sld xmlns:a="http://schemas.openxmlformats.org/drawingml/2006/main" xmlns:r="http://schemas.openxmlformats.org/officeDocument/2006/relationships" xmlns:p="http://schemas.openxmlformats.org/presentationml/2006/main">
   <p:cSld>
     <p:bg>
